--- a/docs/diagrams/StatusSequenceDiagram.pptx
+++ b/docs/diagrams/StatusSequenceDiagram.pptx
@@ -104,6 +104,11 @@
       </a:defRPr>
     </a:lvl9pPr>
   </p:defaultTextStyle>
+  <p:extLst>
+    <p:ext uri="{EFAFB233-063F-42B5-8137-9DF3F51BA10A}">
+      <p15:sldGuideLst xmlns:p15="http://schemas.microsoft.com/office/powerpoint/2012/main"/>
+    </p:ext>
+  </p:extLst>
 </p:presentation>
 </file>
 
@@ -3344,31 +3349,6 @@
       </p:grpSpPr>
       <p:sp>
         <p:nvSpPr>
-          <p:cNvPr id="3" name="Subtitle 2">
-            <a:extLst>
-              <a:ext uri="{FF2B5EF4-FFF2-40B4-BE49-F238E27FC236}">
-                <a16:creationId xmlns:a16="http://schemas.microsoft.com/office/drawing/2014/main" id="{E79A2C0E-3052-4B6B-9B63-0CBFF87EF7B5}"/>
-              </a:ext>
-            </a:extLst>
-          </p:cNvPr>
-          <p:cNvSpPr>
-            <a:spLocks noGrp="1"/>
-          </p:cNvSpPr>
-          <p:nvPr>
-            <p:ph type="subTitle" idx="1"/>
-          </p:nvPr>
-        </p:nvSpPr>
-        <p:spPr/>
-        <p:txBody>
-          <a:bodyPr/>
-          <a:lstStyle/>
-          <a:p>
-            <a:endParaRPr lang="en-SG"/>
-          </a:p>
-        </p:txBody>
-      </p:sp>
-      <p:sp>
-        <p:nvSpPr>
           <p:cNvPr id="72" name="Rectangle 65">
             <a:extLst>
               <a:ext uri="{FF2B5EF4-FFF2-40B4-BE49-F238E27FC236}">
@@ -6560,6 +6540,51 @@
           </a:p>
         </p:txBody>
       </p:sp>
+      <p:cxnSp>
+        <p:nvCxnSpPr>
+          <p:cNvPr id="59" name="Straight Connector 58">
+            <a:extLst>
+              <a:ext uri="{FF2B5EF4-FFF2-40B4-BE49-F238E27FC236}">
+                <a16:creationId xmlns:a16="http://schemas.microsoft.com/office/drawing/2014/main" id="{C876913D-A8CF-478B-942C-3A9E5E53CE7E}"/>
+              </a:ext>
+            </a:extLst>
+          </p:cNvPr>
+          <p:cNvCxnSpPr>
+            <a:cxnSpLocks/>
+          </p:cNvCxnSpPr>
+          <p:nvPr/>
+        </p:nvCxnSpPr>
+        <p:spPr>
+          <a:xfrm flipH="1">
+            <a:off x="-1337541" y="1964751"/>
+            <a:ext cx="11466" cy="4499829"/>
+          </a:xfrm>
+          <a:prstGeom prst="line">
+            <a:avLst/>
+          </a:prstGeom>
+          <a:ln w="19050">
+            <a:solidFill>
+              <a:srgbClr val="0070C0"/>
+            </a:solidFill>
+            <a:prstDash val="sysDash"/>
+          </a:ln>
+          <a:effectLst/>
+        </p:spPr>
+        <p:style>
+          <a:lnRef idx="1">
+            <a:schemeClr val="accent1"/>
+          </a:lnRef>
+          <a:fillRef idx="2">
+            <a:schemeClr val="accent1"/>
+          </a:fillRef>
+          <a:effectRef idx="1">
+            <a:schemeClr val="accent1"/>
+          </a:effectRef>
+          <a:fontRef idx="minor">
+            <a:schemeClr val="dk1"/>
+          </a:fontRef>
+        </p:style>
+      </p:cxnSp>
     </p:spTree>
     <p:extLst>
       <p:ext uri="{BB962C8B-B14F-4D97-AF65-F5344CB8AC3E}">

--- a/docs/diagrams/StatusSequenceDiagram.pptx
+++ b/docs/diagrams/StatusSequenceDiagram.pptx
@@ -261,7 +261,7 @@
           <a:p>
             <a:fld id="{A105535C-AC3D-4F7B-9806-020C9529C48E}" type="datetimeFigureOut">
               <a:rPr lang="en-SG" smtClean="0"/>
-              <a:t>11/11/2018</a:t>
+              <a:t>12/11/2018</a:t>
             </a:fld>
             <a:endParaRPr lang="en-SG"/>
           </a:p>
@@ -461,7 +461,7 @@
           <a:p>
             <a:fld id="{A105535C-AC3D-4F7B-9806-020C9529C48E}" type="datetimeFigureOut">
               <a:rPr lang="en-SG" smtClean="0"/>
-              <a:t>11/11/2018</a:t>
+              <a:t>12/11/2018</a:t>
             </a:fld>
             <a:endParaRPr lang="en-SG"/>
           </a:p>
@@ -671,7 +671,7 @@
           <a:p>
             <a:fld id="{A105535C-AC3D-4F7B-9806-020C9529C48E}" type="datetimeFigureOut">
               <a:rPr lang="en-SG" smtClean="0"/>
-              <a:t>11/11/2018</a:t>
+              <a:t>12/11/2018</a:t>
             </a:fld>
             <a:endParaRPr lang="en-SG"/>
           </a:p>
@@ -871,7 +871,7 @@
           <a:p>
             <a:fld id="{A105535C-AC3D-4F7B-9806-020C9529C48E}" type="datetimeFigureOut">
               <a:rPr lang="en-SG" smtClean="0"/>
-              <a:t>11/11/2018</a:t>
+              <a:t>12/11/2018</a:t>
             </a:fld>
             <a:endParaRPr lang="en-SG"/>
           </a:p>
@@ -1147,7 +1147,7 @@
           <a:p>
             <a:fld id="{A105535C-AC3D-4F7B-9806-020C9529C48E}" type="datetimeFigureOut">
               <a:rPr lang="en-SG" smtClean="0"/>
-              <a:t>11/11/2018</a:t>
+              <a:t>12/11/2018</a:t>
             </a:fld>
             <a:endParaRPr lang="en-SG"/>
           </a:p>
@@ -1415,7 +1415,7 @@
           <a:p>
             <a:fld id="{A105535C-AC3D-4F7B-9806-020C9529C48E}" type="datetimeFigureOut">
               <a:rPr lang="en-SG" smtClean="0"/>
-              <a:t>11/11/2018</a:t>
+              <a:t>12/11/2018</a:t>
             </a:fld>
             <a:endParaRPr lang="en-SG"/>
           </a:p>
@@ -1830,7 +1830,7 @@
           <a:p>
             <a:fld id="{A105535C-AC3D-4F7B-9806-020C9529C48E}" type="datetimeFigureOut">
               <a:rPr lang="en-SG" smtClean="0"/>
-              <a:t>11/11/2018</a:t>
+              <a:t>12/11/2018</a:t>
             </a:fld>
             <a:endParaRPr lang="en-SG"/>
           </a:p>
@@ -1972,7 +1972,7 @@
           <a:p>
             <a:fld id="{A105535C-AC3D-4F7B-9806-020C9529C48E}" type="datetimeFigureOut">
               <a:rPr lang="en-SG" smtClean="0"/>
-              <a:t>11/11/2018</a:t>
+              <a:t>12/11/2018</a:t>
             </a:fld>
             <a:endParaRPr lang="en-SG"/>
           </a:p>
@@ -2085,7 +2085,7 @@
           <a:p>
             <a:fld id="{A105535C-AC3D-4F7B-9806-020C9529C48E}" type="datetimeFigureOut">
               <a:rPr lang="en-SG" smtClean="0"/>
-              <a:t>11/11/2018</a:t>
+              <a:t>12/11/2018</a:t>
             </a:fld>
             <a:endParaRPr lang="en-SG"/>
           </a:p>
@@ -2398,7 +2398,7 @@
           <a:p>
             <a:fld id="{A105535C-AC3D-4F7B-9806-020C9529C48E}" type="datetimeFigureOut">
               <a:rPr lang="en-SG" smtClean="0"/>
-              <a:t>11/11/2018</a:t>
+              <a:t>12/11/2018</a:t>
             </a:fld>
             <a:endParaRPr lang="en-SG"/>
           </a:p>
@@ -2687,7 +2687,7 @@
           <a:p>
             <a:fld id="{A105535C-AC3D-4F7B-9806-020C9529C48E}" type="datetimeFigureOut">
               <a:rPr lang="en-SG" smtClean="0"/>
-              <a:t>11/11/2018</a:t>
+              <a:t>12/11/2018</a:t>
             </a:fld>
             <a:endParaRPr lang="en-SG"/>
           </a:p>
@@ -2930,7 +2930,7 @@
           <a:p>
             <a:fld id="{A105535C-AC3D-4F7B-9806-020C9529C48E}" type="datetimeFigureOut">
               <a:rPr lang="en-SG" smtClean="0"/>
-              <a:t>11/11/2018</a:t>
+              <a:t>12/11/2018</a:t>
             </a:fld>
             <a:endParaRPr lang="en-SG"/>
           </a:p>
@@ -6284,8 +6284,8 @@
         </p:nvSpPr>
         <p:spPr>
           <a:xfrm>
-            <a:off x="9926989" y="5629449"/>
-            <a:ext cx="235784" cy="463892"/>
+            <a:off x="9926989" y="5757587"/>
+            <a:ext cx="248622" cy="335753"/>
           </a:xfrm>
           <a:prstGeom prst="rect">
             <a:avLst/>

--- a/docs/diagrams/StatusSequenceDiagram.pptx
+++ b/docs/diagrams/StatusSequenceDiagram.pptx
@@ -4,6 +4,9 @@
   <p:sldMasterIdLst>
     <p:sldMasterId id="2147483648" r:id="rId1"/>
   </p:sldMasterIdLst>
+  <p:notesMasterIdLst>
+    <p:notesMasterId r:id="rId3"/>
+  </p:notesMasterIdLst>
   <p:sldIdLst>
     <p:sldId id="256" r:id="rId2"/>
   </p:sldIdLst>
@@ -110,6 +113,440 @@
     </p:ext>
   </p:extLst>
 </p:presentation>
+</file>
+
+<file path=ppt/notesMasters/notesMaster1.xml><?xml version="1.0" encoding="utf-8"?>
+<p:notesMaster xmlns:a="http://schemas.openxmlformats.org/drawingml/2006/main" xmlns:r="http://schemas.openxmlformats.org/officeDocument/2006/relationships" xmlns:p="http://schemas.openxmlformats.org/presentationml/2006/main">
+  <p:cSld>
+    <p:bg>
+      <p:bgRef idx="1001">
+        <a:schemeClr val="bg1"/>
+      </p:bgRef>
+    </p:bg>
+    <p:spTree>
+      <p:nvGrpSpPr>
+        <p:cNvPr id="1" name=""/>
+        <p:cNvGrpSpPr/>
+        <p:nvPr/>
+      </p:nvGrpSpPr>
+      <p:grpSpPr>
+        <a:xfrm>
+          <a:off x="0" y="0"/>
+          <a:ext cx="0" cy="0"/>
+          <a:chOff x="0" y="0"/>
+          <a:chExt cx="0" cy="0"/>
+        </a:xfrm>
+      </p:grpSpPr>
+      <p:sp>
+        <p:nvSpPr>
+          <p:cNvPr id="2" name="Header Placeholder 1"/>
+          <p:cNvSpPr>
+            <a:spLocks noGrp="1"/>
+          </p:cNvSpPr>
+          <p:nvPr>
+            <p:ph type="hdr" sz="quarter"/>
+          </p:nvPr>
+        </p:nvSpPr>
+        <p:spPr>
+          <a:xfrm>
+            <a:off x="0" y="0"/>
+            <a:ext cx="2971800" cy="458788"/>
+          </a:xfrm>
+          <a:prstGeom prst="rect">
+            <a:avLst/>
+          </a:prstGeom>
+        </p:spPr>
+        <p:txBody>
+          <a:bodyPr vert="horz" lIns="91440" tIns="45720" rIns="91440" bIns="45720" rtlCol="0"/>
+          <a:lstStyle>
+            <a:lvl1pPr algn="l">
+              <a:defRPr sz="1200"/>
+            </a:lvl1pPr>
+          </a:lstStyle>
+          <a:p>
+            <a:endParaRPr lang="en-SG"/>
+          </a:p>
+        </p:txBody>
+      </p:sp>
+      <p:sp>
+        <p:nvSpPr>
+          <p:cNvPr id="3" name="Date Placeholder 2"/>
+          <p:cNvSpPr>
+            <a:spLocks noGrp="1"/>
+          </p:cNvSpPr>
+          <p:nvPr>
+            <p:ph type="dt" idx="1"/>
+          </p:nvPr>
+        </p:nvSpPr>
+        <p:spPr>
+          <a:xfrm>
+            <a:off x="3884613" y="0"/>
+            <a:ext cx="2971800" cy="458788"/>
+          </a:xfrm>
+          <a:prstGeom prst="rect">
+            <a:avLst/>
+          </a:prstGeom>
+        </p:spPr>
+        <p:txBody>
+          <a:bodyPr vert="horz" lIns="91440" tIns="45720" rIns="91440" bIns="45720" rtlCol="0"/>
+          <a:lstStyle>
+            <a:lvl1pPr algn="r">
+              <a:defRPr sz="1200"/>
+            </a:lvl1pPr>
+          </a:lstStyle>
+          <a:p>
+            <a:fld id="{F8BF0B2C-D38C-404C-A447-FF58F92511A4}" type="datetimeFigureOut">
+              <a:rPr lang="en-SG" smtClean="0"/>
+              <a:t>12/11/2018</a:t>
+            </a:fld>
+            <a:endParaRPr lang="en-SG"/>
+          </a:p>
+        </p:txBody>
+      </p:sp>
+      <p:sp>
+        <p:nvSpPr>
+          <p:cNvPr id="4" name="Slide Image Placeholder 3"/>
+          <p:cNvSpPr>
+            <a:spLocks noGrp="1" noRot="1" noChangeAspect="1"/>
+          </p:cNvSpPr>
+          <p:nvPr>
+            <p:ph type="sldImg" idx="2"/>
+          </p:nvPr>
+        </p:nvSpPr>
+        <p:spPr>
+          <a:xfrm>
+            <a:off x="685800" y="1143000"/>
+            <a:ext cx="5486400" cy="3086100"/>
+          </a:xfrm>
+          <a:prstGeom prst="rect">
+            <a:avLst/>
+          </a:prstGeom>
+          <a:noFill/>
+          <a:ln w="12700">
+            <a:solidFill>
+              <a:prstClr val="black"/>
+            </a:solidFill>
+          </a:ln>
+        </p:spPr>
+        <p:txBody>
+          <a:bodyPr vert="horz" lIns="91440" tIns="45720" rIns="91440" bIns="45720" rtlCol="0" anchor="ctr"/>
+          <a:lstStyle/>
+          <a:p>
+            <a:endParaRPr lang="en-SG"/>
+          </a:p>
+        </p:txBody>
+      </p:sp>
+      <p:sp>
+        <p:nvSpPr>
+          <p:cNvPr id="5" name="Notes Placeholder 4"/>
+          <p:cNvSpPr>
+            <a:spLocks noGrp="1"/>
+          </p:cNvSpPr>
+          <p:nvPr>
+            <p:ph type="body" sz="quarter" idx="3"/>
+          </p:nvPr>
+        </p:nvSpPr>
+        <p:spPr>
+          <a:xfrm>
+            <a:off x="685800" y="4400550"/>
+            <a:ext cx="5486400" cy="3600450"/>
+          </a:xfrm>
+          <a:prstGeom prst="rect">
+            <a:avLst/>
+          </a:prstGeom>
+        </p:spPr>
+        <p:txBody>
+          <a:bodyPr vert="horz" lIns="91440" tIns="45720" rIns="91440" bIns="45720" rtlCol="0"/>
+          <a:lstStyle/>
+          <a:p>
+            <a:pPr lvl="0"/>
+            <a:r>
+              <a:rPr lang="en-US"/>
+              <a:t>Edit Master text styles</a:t>
+            </a:r>
+          </a:p>
+          <a:p>
+            <a:pPr lvl="1"/>
+            <a:r>
+              <a:rPr lang="en-US"/>
+              <a:t>Second level</a:t>
+            </a:r>
+          </a:p>
+          <a:p>
+            <a:pPr lvl="2"/>
+            <a:r>
+              <a:rPr lang="en-US"/>
+              <a:t>Third level</a:t>
+            </a:r>
+          </a:p>
+          <a:p>
+            <a:pPr lvl="3"/>
+            <a:r>
+              <a:rPr lang="en-US"/>
+              <a:t>Fourth level</a:t>
+            </a:r>
+          </a:p>
+          <a:p>
+            <a:pPr lvl="4"/>
+            <a:r>
+              <a:rPr lang="en-US"/>
+              <a:t>Fifth level</a:t>
+            </a:r>
+            <a:endParaRPr lang="en-SG"/>
+          </a:p>
+        </p:txBody>
+      </p:sp>
+      <p:sp>
+        <p:nvSpPr>
+          <p:cNvPr id="6" name="Footer Placeholder 5"/>
+          <p:cNvSpPr>
+            <a:spLocks noGrp="1"/>
+          </p:cNvSpPr>
+          <p:nvPr>
+            <p:ph type="ftr" sz="quarter" idx="4"/>
+          </p:nvPr>
+        </p:nvSpPr>
+        <p:spPr>
+          <a:xfrm>
+            <a:off x="0" y="8685213"/>
+            <a:ext cx="2971800" cy="458787"/>
+          </a:xfrm>
+          <a:prstGeom prst="rect">
+            <a:avLst/>
+          </a:prstGeom>
+        </p:spPr>
+        <p:txBody>
+          <a:bodyPr vert="horz" lIns="91440" tIns="45720" rIns="91440" bIns="45720" rtlCol="0" anchor="b"/>
+          <a:lstStyle>
+            <a:lvl1pPr algn="l">
+              <a:defRPr sz="1200"/>
+            </a:lvl1pPr>
+          </a:lstStyle>
+          <a:p>
+            <a:endParaRPr lang="en-SG"/>
+          </a:p>
+        </p:txBody>
+      </p:sp>
+      <p:sp>
+        <p:nvSpPr>
+          <p:cNvPr id="7" name="Slide Number Placeholder 6"/>
+          <p:cNvSpPr>
+            <a:spLocks noGrp="1"/>
+          </p:cNvSpPr>
+          <p:nvPr>
+            <p:ph type="sldNum" sz="quarter" idx="5"/>
+          </p:nvPr>
+        </p:nvSpPr>
+        <p:spPr>
+          <a:xfrm>
+            <a:off x="3884613" y="8685213"/>
+            <a:ext cx="2971800" cy="458787"/>
+          </a:xfrm>
+          <a:prstGeom prst="rect">
+            <a:avLst/>
+          </a:prstGeom>
+        </p:spPr>
+        <p:txBody>
+          <a:bodyPr vert="horz" lIns="91440" tIns="45720" rIns="91440" bIns="45720" rtlCol="0" anchor="b"/>
+          <a:lstStyle>
+            <a:lvl1pPr algn="r">
+              <a:defRPr sz="1200"/>
+            </a:lvl1pPr>
+          </a:lstStyle>
+          <a:p>
+            <a:fld id="{C2134523-4202-4FDA-B20C-89230054D342}" type="slidenum">
+              <a:rPr lang="en-SG" smtClean="0"/>
+              <a:t>‹#›</a:t>
+            </a:fld>
+            <a:endParaRPr lang="en-SG"/>
+          </a:p>
+        </p:txBody>
+      </p:sp>
+    </p:spTree>
+    <p:extLst>
+      <p:ext uri="{BB962C8B-B14F-4D97-AF65-F5344CB8AC3E}">
+        <p14:creationId xmlns:p14="http://schemas.microsoft.com/office/powerpoint/2010/main" val="3862162522"/>
+      </p:ext>
+    </p:extLst>
+  </p:cSld>
+  <p:clrMap bg1="lt1" tx1="dk1" bg2="lt2" tx2="dk2" accent1="accent1" accent2="accent2" accent3="accent3" accent4="accent4" accent5="accent5" accent6="accent6" hlink="hlink" folHlink="folHlink"/>
+  <p:notesStyle>
+    <a:lvl1pPr marL="0" algn="l" defTabSz="914400" rtl="0" eaLnBrk="1" latinLnBrk="0" hangingPunct="1">
+      <a:defRPr sz="1200" kern="1200">
+        <a:solidFill>
+          <a:schemeClr val="tx1"/>
+        </a:solidFill>
+        <a:latin typeface="+mn-lt"/>
+        <a:ea typeface="+mn-ea"/>
+        <a:cs typeface="+mn-cs"/>
+      </a:defRPr>
+    </a:lvl1pPr>
+    <a:lvl2pPr marL="457200" algn="l" defTabSz="914400" rtl="0" eaLnBrk="1" latinLnBrk="0" hangingPunct="1">
+      <a:defRPr sz="1200" kern="1200">
+        <a:solidFill>
+          <a:schemeClr val="tx1"/>
+        </a:solidFill>
+        <a:latin typeface="+mn-lt"/>
+        <a:ea typeface="+mn-ea"/>
+        <a:cs typeface="+mn-cs"/>
+      </a:defRPr>
+    </a:lvl2pPr>
+    <a:lvl3pPr marL="914400" algn="l" defTabSz="914400" rtl="0" eaLnBrk="1" latinLnBrk="0" hangingPunct="1">
+      <a:defRPr sz="1200" kern="1200">
+        <a:solidFill>
+          <a:schemeClr val="tx1"/>
+        </a:solidFill>
+        <a:latin typeface="+mn-lt"/>
+        <a:ea typeface="+mn-ea"/>
+        <a:cs typeface="+mn-cs"/>
+      </a:defRPr>
+    </a:lvl3pPr>
+    <a:lvl4pPr marL="1371600" algn="l" defTabSz="914400" rtl="0" eaLnBrk="1" latinLnBrk="0" hangingPunct="1">
+      <a:defRPr sz="1200" kern="1200">
+        <a:solidFill>
+          <a:schemeClr val="tx1"/>
+        </a:solidFill>
+        <a:latin typeface="+mn-lt"/>
+        <a:ea typeface="+mn-ea"/>
+        <a:cs typeface="+mn-cs"/>
+      </a:defRPr>
+    </a:lvl4pPr>
+    <a:lvl5pPr marL="1828800" algn="l" defTabSz="914400" rtl="0" eaLnBrk="1" latinLnBrk="0" hangingPunct="1">
+      <a:defRPr sz="1200" kern="1200">
+        <a:solidFill>
+          <a:schemeClr val="tx1"/>
+        </a:solidFill>
+        <a:latin typeface="+mn-lt"/>
+        <a:ea typeface="+mn-ea"/>
+        <a:cs typeface="+mn-cs"/>
+      </a:defRPr>
+    </a:lvl5pPr>
+    <a:lvl6pPr marL="2286000" algn="l" defTabSz="914400" rtl="0" eaLnBrk="1" latinLnBrk="0" hangingPunct="1">
+      <a:defRPr sz="1200" kern="1200">
+        <a:solidFill>
+          <a:schemeClr val="tx1"/>
+        </a:solidFill>
+        <a:latin typeface="+mn-lt"/>
+        <a:ea typeface="+mn-ea"/>
+        <a:cs typeface="+mn-cs"/>
+      </a:defRPr>
+    </a:lvl6pPr>
+    <a:lvl7pPr marL="2743200" algn="l" defTabSz="914400" rtl="0" eaLnBrk="1" latinLnBrk="0" hangingPunct="1">
+      <a:defRPr sz="1200" kern="1200">
+        <a:solidFill>
+          <a:schemeClr val="tx1"/>
+        </a:solidFill>
+        <a:latin typeface="+mn-lt"/>
+        <a:ea typeface="+mn-ea"/>
+        <a:cs typeface="+mn-cs"/>
+      </a:defRPr>
+    </a:lvl7pPr>
+    <a:lvl8pPr marL="3200400" algn="l" defTabSz="914400" rtl="0" eaLnBrk="1" latinLnBrk="0" hangingPunct="1">
+      <a:defRPr sz="1200" kern="1200">
+        <a:solidFill>
+          <a:schemeClr val="tx1"/>
+        </a:solidFill>
+        <a:latin typeface="+mn-lt"/>
+        <a:ea typeface="+mn-ea"/>
+        <a:cs typeface="+mn-cs"/>
+      </a:defRPr>
+    </a:lvl8pPr>
+    <a:lvl9pPr marL="3657600" algn="l" defTabSz="914400" rtl="0" eaLnBrk="1" latinLnBrk="0" hangingPunct="1">
+      <a:defRPr sz="1200" kern="1200">
+        <a:solidFill>
+          <a:schemeClr val="tx1"/>
+        </a:solidFill>
+        <a:latin typeface="+mn-lt"/>
+        <a:ea typeface="+mn-ea"/>
+        <a:cs typeface="+mn-cs"/>
+      </a:defRPr>
+    </a:lvl9pPr>
+  </p:notesStyle>
+</p:notesMaster>
+</file>
+
+<file path=ppt/notesSlides/notesSlide1.xml><?xml version="1.0" encoding="utf-8"?>
+<p:notes xmlns:a="http://schemas.openxmlformats.org/drawingml/2006/main" xmlns:r="http://schemas.openxmlformats.org/officeDocument/2006/relationships" xmlns:p="http://schemas.openxmlformats.org/presentationml/2006/main">
+  <p:cSld>
+    <p:spTree>
+      <p:nvGrpSpPr>
+        <p:cNvPr id="1" name=""/>
+        <p:cNvGrpSpPr/>
+        <p:nvPr/>
+      </p:nvGrpSpPr>
+      <p:grpSpPr>
+        <a:xfrm>
+          <a:off x="0" y="0"/>
+          <a:ext cx="0" cy="0"/>
+          <a:chOff x="0" y="0"/>
+          <a:chExt cx="0" cy="0"/>
+        </a:xfrm>
+      </p:grpSpPr>
+      <p:sp>
+        <p:nvSpPr>
+          <p:cNvPr id="2" name="Slide Image Placeholder 1"/>
+          <p:cNvSpPr>
+            <a:spLocks noGrp="1" noRot="1" noChangeAspect="1"/>
+          </p:cNvSpPr>
+          <p:nvPr>
+            <p:ph type="sldImg"/>
+          </p:nvPr>
+        </p:nvSpPr>
+        <p:spPr/>
+      </p:sp>
+      <p:sp>
+        <p:nvSpPr>
+          <p:cNvPr id="3" name="Notes Placeholder 2"/>
+          <p:cNvSpPr>
+            <a:spLocks noGrp="1"/>
+          </p:cNvSpPr>
+          <p:nvPr>
+            <p:ph type="body" idx="1"/>
+          </p:nvPr>
+        </p:nvSpPr>
+        <p:spPr/>
+        <p:txBody>
+          <a:bodyPr/>
+          <a:lstStyle/>
+          <a:p>
+            <a:endParaRPr lang="en-SG" dirty="0"/>
+          </a:p>
+        </p:txBody>
+      </p:sp>
+      <p:sp>
+        <p:nvSpPr>
+          <p:cNvPr id="4" name="Slide Number Placeholder 3"/>
+          <p:cNvSpPr>
+            <a:spLocks noGrp="1"/>
+          </p:cNvSpPr>
+          <p:nvPr>
+            <p:ph type="sldNum" sz="quarter" idx="5"/>
+          </p:nvPr>
+        </p:nvSpPr>
+        <p:spPr/>
+        <p:txBody>
+          <a:bodyPr/>
+          <a:lstStyle/>
+          <a:p>
+            <a:fld id="{C2134523-4202-4FDA-B20C-89230054D342}" type="slidenum">
+              <a:rPr lang="en-SG" smtClean="0"/>
+              <a:t>1</a:t>
+            </a:fld>
+            <a:endParaRPr lang="en-SG"/>
+          </a:p>
+        </p:txBody>
+      </p:sp>
+    </p:spTree>
+    <p:extLst>
+      <p:ext uri="{BB962C8B-B14F-4D97-AF65-F5344CB8AC3E}">
+        <p14:creationId xmlns:p14="http://schemas.microsoft.com/office/powerpoint/2010/main" val="3555675248"/>
+      </p:ext>
+    </p:extLst>
+  </p:cSld>
+  <p:clrMapOvr>
+    <a:masterClrMapping/>
+  </p:clrMapOvr>
+</p:notes>
 </file>
 
 <file path=ppt/slideLayouts/slideLayout1.xml><?xml version="1.0" encoding="utf-8"?>
@@ -3349,10 +3786,10 @@
       </p:grpSpPr>
       <p:sp>
         <p:nvSpPr>
-          <p:cNvPr id="72" name="Rectangle 65">
-            <a:extLst>
-              <a:ext uri="{FF2B5EF4-FFF2-40B4-BE49-F238E27FC236}">
-                <a16:creationId xmlns:a16="http://schemas.microsoft.com/office/drawing/2014/main" id="{1649CCEE-B1A6-415D-8F09-0D726EA020CE}"/>
+          <p:cNvPr id="73" name="Rectangle 65">
+            <a:extLst>
+              <a:ext uri="{FF2B5EF4-FFF2-40B4-BE49-F238E27FC236}">
+                <a16:creationId xmlns:a16="http://schemas.microsoft.com/office/drawing/2014/main" id="{EEB541CD-7885-46D7-A74D-D488B0C1ACA9}"/>
               </a:ext>
             </a:extLst>
           </p:cNvPr>
@@ -3361,75 +3798,8 @@
         </p:nvSpPr>
         <p:spPr>
           <a:xfrm>
-            <a:off x="9112329" y="1258100"/>
-            <a:ext cx="2011484" cy="4873688"/>
-          </a:xfrm>
-          <a:prstGeom prst="roundRect">
-            <a:avLst>
-              <a:gd name="adj" fmla="val 3484"/>
-            </a:avLst>
-          </a:prstGeom>
-          <a:solidFill>
-            <a:schemeClr val="accent2">
-              <a:lumMod val="20000"/>
-              <a:lumOff val="80000"/>
-            </a:schemeClr>
-          </a:solidFill>
-          <a:ln w="19050">
-            <a:noFill/>
-          </a:ln>
-          <a:effectLst/>
-        </p:spPr>
-        <p:style>
-          <a:lnRef idx="1">
-            <a:schemeClr val="accent2"/>
-          </a:lnRef>
-          <a:fillRef idx="2">
-            <a:schemeClr val="accent2"/>
-          </a:fillRef>
-          <a:effectRef idx="1">
-            <a:schemeClr val="accent2"/>
-          </a:effectRef>
-          <a:fontRef idx="minor">
-            <a:schemeClr val="dk1"/>
-          </a:fontRef>
-        </p:style>
-        <p:txBody>
-          <a:bodyPr rtlCol="0" anchor="t"/>
-          <a:lstStyle/>
-          <a:p>
-            <a:r>
-              <a:rPr lang="en-US" sz="1200" b="1" dirty="0">
-                <a:solidFill>
-                  <a:schemeClr val="accent2"/>
-                </a:solidFill>
-              </a:rPr>
-              <a:t>Common</a:t>
-            </a:r>
-            <a:endParaRPr lang="en-SG" sz="1200" b="1" dirty="0">
-              <a:solidFill>
-                <a:schemeClr val="accent2"/>
-              </a:solidFill>
-            </a:endParaRPr>
-          </a:p>
-        </p:txBody>
-      </p:sp>
-      <p:sp>
-        <p:nvSpPr>
-          <p:cNvPr id="73" name="Rectangle 65">
-            <a:extLst>
-              <a:ext uri="{FF2B5EF4-FFF2-40B4-BE49-F238E27FC236}">
-                <a16:creationId xmlns:a16="http://schemas.microsoft.com/office/drawing/2014/main" id="{EEB541CD-7885-46D7-A74D-D488B0C1ACA9}"/>
-              </a:ext>
-            </a:extLst>
-          </p:cNvPr>
-          <p:cNvSpPr/>
-          <p:nvPr/>
-        </p:nvSpPr>
-        <p:spPr>
-          <a:xfrm>
-            <a:off x="-2845663" y="1280159"/>
-            <a:ext cx="6683541" cy="4873689"/>
+            <a:off x="615292" y="601733"/>
+            <a:ext cx="6683541" cy="5831623"/>
           </a:xfrm>
           <a:prstGeom prst="roundRect">
             <a:avLst>
@@ -3495,8 +3865,8 @@
         </p:nvSpPr>
         <p:spPr>
           <a:xfrm>
-            <a:off x="11311324" y="1280160"/>
-            <a:ext cx="2011484" cy="4873688"/>
+            <a:off x="-1451460" y="601734"/>
+            <a:ext cx="2011484" cy="5831622"/>
           </a:xfrm>
           <a:prstGeom prst="roundRect">
             <a:avLst>
@@ -3562,7 +3932,7 @@
         </p:nvSpPr>
         <p:spPr>
           <a:xfrm>
-            <a:off x="-2046031" y="1621991"/>
+            <a:off x="1414924" y="943565"/>
             <a:ext cx="1416980" cy="342760"/>
           </a:xfrm>
           <a:prstGeom prst="rect">
@@ -3635,7 +4005,7 @@
         </p:nvSpPr>
         <p:spPr>
           <a:xfrm>
-            <a:off x="-1390225" y="2411243"/>
+            <a:off x="2050687" y="1766567"/>
             <a:ext cx="128301" cy="3677018"/>
           </a:xfrm>
           <a:prstGeom prst="rect">
@@ -3688,7 +4058,7 @@
         </p:nvSpPr>
         <p:spPr>
           <a:xfrm>
-            <a:off x="24796" y="1456559"/>
+            <a:off x="3485751" y="778133"/>
             <a:ext cx="1578129" cy="462289"/>
           </a:xfrm>
           <a:prstGeom prst="rect">
@@ -3779,7 +4149,7 @@
         </p:nvCxnSpPr>
         <p:spPr>
           <a:xfrm>
-            <a:off x="819188" y="1948609"/>
+            <a:off x="4280143" y="1270183"/>
             <a:ext cx="0" cy="2549995"/>
           </a:xfrm>
           <a:prstGeom prst="line">
@@ -3822,7 +4192,7 @@
         </p:nvSpPr>
         <p:spPr>
           <a:xfrm>
-            <a:off x="747181" y="2498354"/>
+            <a:off x="4208136" y="1819928"/>
             <a:ext cx="106113" cy="1444818"/>
           </a:xfrm>
           <a:prstGeom prst="rect">
@@ -3879,7 +4249,7 @@
         </p:nvSpPr>
         <p:spPr>
           <a:xfrm>
-            <a:off x="2744443" y="3284237"/>
+            <a:off x="6205398" y="2605811"/>
             <a:ext cx="148354" cy="272819"/>
           </a:xfrm>
           <a:prstGeom prst="rect">
@@ -3934,8 +4304,8 @@
         </p:nvCxnSpPr>
         <p:spPr>
           <a:xfrm>
-            <a:off x="-3024161" y="2411243"/>
-            <a:ext cx="1633937" cy="0"/>
+            <a:off x="0" y="1799306"/>
+            <a:ext cx="2050687" cy="7329"/>
           </a:xfrm>
           <a:prstGeom prst="straightConnector1">
             <a:avLst/>
@@ -3976,7 +4346,7 @@
         </p:nvSpPr>
         <p:spPr>
           <a:xfrm>
-            <a:off x="-638075" y="4696524"/>
+            <a:off x="2822880" y="4018098"/>
             <a:ext cx="1976402" cy="215444"/>
           </a:xfrm>
           <a:prstGeom prst="rect">
@@ -4025,7 +4395,7 @@
         </p:nvCxnSpPr>
         <p:spPr>
           <a:xfrm>
-            <a:off x="-1261924" y="3943172"/>
+            <a:off x="2199031" y="3264746"/>
             <a:ext cx="2062162" cy="0"/>
           </a:xfrm>
           <a:prstGeom prst="straightConnector1">
@@ -4071,8 +4441,8 @@
         </p:nvCxnSpPr>
         <p:spPr>
           <a:xfrm>
-            <a:off x="-3185548" y="6088261"/>
-            <a:ext cx="1795323" cy="0"/>
+            <a:off x="130629" y="5394544"/>
+            <a:ext cx="1899168" cy="15291"/>
           </a:xfrm>
           <a:prstGeom prst="straightConnector1">
             <a:avLst/>
@@ -4115,7 +4485,7 @@
         </p:nvSpPr>
         <p:spPr>
           <a:xfrm>
-            <a:off x="2752419" y="4668055"/>
+            <a:off x="6213374" y="3989629"/>
             <a:ext cx="209041" cy="1230637"/>
           </a:xfrm>
           <a:prstGeom prst="rect">
@@ -4168,7 +4538,7 @@
         </p:nvSpPr>
         <p:spPr>
           <a:xfrm>
-            <a:off x="-1221422" y="2216385"/>
+            <a:off x="2239533" y="1537959"/>
             <a:ext cx="1912310" cy="215444"/>
           </a:xfrm>
           <a:prstGeom prst="rect">
@@ -4219,7 +4589,7 @@
         </p:nvSpPr>
         <p:spPr>
           <a:xfrm>
-            <a:off x="481014" y="5659607"/>
+            <a:off x="3941969" y="4981181"/>
             <a:ext cx="604722" cy="215444"/>
           </a:xfrm>
           <a:prstGeom prst="rect">
@@ -4265,7 +4635,7 @@
         </p:nvSpPr>
         <p:spPr>
           <a:xfrm>
-            <a:off x="-2732235" y="5857526"/>
+            <a:off x="687787" y="5179100"/>
             <a:ext cx="741768" cy="215444"/>
           </a:xfrm>
           <a:prstGeom prst="rect">
@@ -4311,7 +4681,7 @@
         </p:nvSpPr>
         <p:spPr>
           <a:xfrm>
-            <a:off x="-264672" y="4031608"/>
+            <a:off x="3196283" y="3353182"/>
             <a:ext cx="214493" cy="215444"/>
           </a:xfrm>
           <a:prstGeom prst="rect">
@@ -4357,7 +4727,7 @@
         </p:nvSpPr>
         <p:spPr>
           <a:xfrm>
-            <a:off x="2291510" y="2823657"/>
+            <a:off x="5752465" y="2145231"/>
             <a:ext cx="1064598" cy="456214"/>
           </a:xfrm>
           <a:prstGeom prst="rect">
@@ -4439,7 +4809,7 @@
         </p:nvCxnSpPr>
         <p:spPr>
           <a:xfrm>
-            <a:off x="-1261924" y="4682450"/>
+            <a:off x="2199031" y="4004024"/>
             <a:ext cx="4037711" cy="14073"/>
           </a:xfrm>
           <a:prstGeom prst="straightConnector1">
@@ -4483,7 +4853,7 @@
         </p:nvCxnSpPr>
         <p:spPr>
           <a:xfrm>
-            <a:off x="-1237825" y="2477732"/>
+            <a:off x="2223130" y="1799306"/>
             <a:ext cx="1977650" cy="14658"/>
           </a:xfrm>
           <a:prstGeom prst="straightConnector1">
@@ -4528,7 +4898,7 @@
         </p:nvCxnSpPr>
         <p:spPr>
           <a:xfrm>
-            <a:off x="-1263491" y="5857526"/>
+            <a:off x="2197464" y="5179100"/>
             <a:ext cx="4120431" cy="41166"/>
           </a:xfrm>
           <a:prstGeom prst="straightConnector1">
@@ -4574,7 +4944,7 @@
         </p:nvCxnSpPr>
         <p:spPr>
           <a:xfrm>
-            <a:off x="898893" y="3059618"/>
+            <a:off x="4359848" y="2381192"/>
             <a:ext cx="1384002" cy="2607"/>
           </a:xfrm>
           <a:prstGeom prst="straightConnector1">
@@ -4618,7 +4988,7 @@
         </p:nvCxnSpPr>
         <p:spPr>
           <a:xfrm>
-            <a:off x="853294" y="3557056"/>
+            <a:off x="4314249" y="2878630"/>
             <a:ext cx="1891149" cy="14074"/>
           </a:xfrm>
           <a:prstGeom prst="straightConnector1">
@@ -4650,10 +5020,53 @@
       </p:cxnSp>
       <p:sp>
         <p:nvSpPr>
-          <p:cNvPr id="105" name="Rectangle 104">
-            <a:extLst>
-              <a:ext uri="{FF2B5EF4-FFF2-40B4-BE49-F238E27FC236}">
-                <a16:creationId xmlns:a16="http://schemas.microsoft.com/office/drawing/2014/main" id="{FAE9A1D2-D7AC-4183-8288-1A1BD5DFCEC6}"/>
+          <p:cNvPr id="108" name="TextBox 107">
+            <a:extLst>
+              <a:ext uri="{FF2B5EF4-FFF2-40B4-BE49-F238E27FC236}">
+                <a16:creationId xmlns:a16="http://schemas.microsoft.com/office/drawing/2014/main" id="{5816DE76-E627-4178-809C-434C076062D1}"/>
+              </a:ext>
+            </a:extLst>
+          </p:cNvPr>
+          <p:cNvSpPr txBox="1"/>
+          <p:nvPr/>
+        </p:nvSpPr>
+        <p:spPr>
+          <a:xfrm>
+            <a:off x="6781423" y="3948072"/>
+            <a:ext cx="1238921" cy="212959"/>
+          </a:xfrm>
+          <a:prstGeom prst="rect">
+            <a:avLst/>
+          </a:prstGeom>
+          <a:noFill/>
+        </p:spPr>
+        <p:txBody>
+          <a:bodyPr wrap="square" lIns="0" tIns="0" rIns="0" bIns="0" rtlCol="0">
+            <a:spAutoFit/>
+          </a:bodyPr>
+          <a:lstStyle>
+            <a:defPPr>
+              <a:defRPr lang="en-US"/>
+            </a:defPPr>
+            <a:lvl1pPr algn="r">
+              <a:defRPr sz="1400">
+                <a:solidFill>
+                  <a:srgbClr val="0070C0"/>
+                </a:solidFill>
+              </a:defRPr>
+            </a:lvl1pPr>
+          </a:lstStyle>
+          <a:p>
+            <a:endParaRPr lang="en-US" dirty="0"/>
+          </a:p>
+        </p:txBody>
+      </p:sp>
+      <p:sp>
+        <p:nvSpPr>
+          <p:cNvPr id="109" name="Rectangle 108">
+            <a:extLst>
+              <a:ext uri="{FF2B5EF4-FFF2-40B4-BE49-F238E27FC236}">
+                <a16:creationId xmlns:a16="http://schemas.microsoft.com/office/drawing/2014/main" id="{1BF209FF-97AE-4E81-A739-4A0ADFE80BC1}"/>
               </a:ext>
             </a:extLst>
           </p:cNvPr>
@@ -4662,18 +5075,18 @@
         </p:nvSpPr>
         <p:spPr>
           <a:xfrm>
-            <a:off x="9306210" y="1778666"/>
-            <a:ext cx="1489779" cy="335753"/>
+            <a:off x="-1377816" y="3269323"/>
+            <a:ext cx="1686016" cy="335753"/>
           </a:xfrm>
           <a:prstGeom prst="rect">
             <a:avLst/>
           </a:prstGeom>
           <a:solidFill>
-            <a:schemeClr val="accent2"/>
+            <a:schemeClr val="accent6"/>
           </a:solidFill>
           <a:ln>
             <a:solidFill>
-              <a:schemeClr val="accent2"/>
+              <a:schemeClr val="accent6"/>
             </a:solidFill>
           </a:ln>
         </p:spPr>
@@ -4704,7 +5117,7 @@
             </a:r>
             <a:r>
               <a:rPr lang="en-US" dirty="0" err="1"/>
-              <a:t>EventsCenter</a:t>
+              <a:t>MainWindow</a:t>
             </a:r>
             <a:endParaRPr lang="en-US" dirty="0"/>
           </a:p>
@@ -4712,164 +5125,10 @@
       </p:sp>
       <p:sp>
         <p:nvSpPr>
-          <p:cNvPr id="106" name="TextBox 105">
-            <a:extLst>
-              <a:ext uri="{FF2B5EF4-FFF2-40B4-BE49-F238E27FC236}">
-                <a16:creationId xmlns:a16="http://schemas.microsoft.com/office/drawing/2014/main" id="{C2BEEB7E-3F12-4297-8C77-95E3180D5903}"/>
-              </a:ext>
-            </a:extLst>
-          </p:cNvPr>
-          <p:cNvSpPr txBox="1"/>
-          <p:nvPr/>
-        </p:nvSpPr>
-        <p:spPr>
-          <a:xfrm>
-            <a:off x="10263831" y="5683248"/>
-            <a:ext cx="1683586" cy="215444"/>
-          </a:xfrm>
-          <a:prstGeom prst="rect">
-            <a:avLst/>
-          </a:prstGeom>
-          <a:noFill/>
-        </p:spPr>
-        <p:txBody>
-          <a:bodyPr wrap="square" lIns="0" tIns="0" rIns="0" bIns="0" rtlCol="0">
-            <a:spAutoFit/>
-          </a:bodyPr>
-          <a:lstStyle>
-            <a:defPPr>
-              <a:defRPr lang="en-US"/>
-            </a:defPPr>
-            <a:lvl1pPr algn="r">
-              <a:defRPr sz="1400">
-                <a:solidFill>
-                  <a:srgbClr val="0070C0"/>
-                </a:solidFill>
-              </a:defRPr>
-            </a:lvl1pPr>
-          </a:lstStyle>
-          <a:p>
-            <a:pPr algn="ctr"/>
-            <a:r>
-              <a:rPr lang="en-US" dirty="0">
-                <a:solidFill>
-                  <a:schemeClr val="accent2"/>
-                </a:solidFill>
-              </a:rPr>
-              <a:t>post(</a:t>
-            </a:r>
-            <a:r>
-              <a:rPr lang="en-US" dirty="0" err="1">
-                <a:solidFill>
-                  <a:schemeClr val="accent2"/>
-                </a:solidFill>
-              </a:rPr>
-              <a:t>StatusEvent</a:t>
-            </a:r>
-            <a:r>
-              <a:rPr lang="en-US" dirty="0">
-                <a:solidFill>
-                  <a:schemeClr val="accent2"/>
-                </a:solidFill>
-              </a:rPr>
-              <a:t>)</a:t>
-            </a:r>
-          </a:p>
-        </p:txBody>
-      </p:sp>
-      <p:cxnSp>
-        <p:nvCxnSpPr>
-          <p:cNvPr id="107" name="Straight Arrow Connector 106">
-            <a:extLst>
-              <a:ext uri="{FF2B5EF4-FFF2-40B4-BE49-F238E27FC236}">
-                <a16:creationId xmlns:a16="http://schemas.microsoft.com/office/drawing/2014/main" id="{2543119C-ECC4-4992-B3BA-B0F006FBB0D7}"/>
-              </a:ext>
-            </a:extLst>
-          </p:cNvPr>
-          <p:cNvCxnSpPr>
-            <a:cxnSpLocks/>
-          </p:cNvCxnSpPr>
-          <p:nvPr/>
-        </p:nvCxnSpPr>
-        <p:spPr>
-          <a:xfrm flipV="1">
-            <a:off x="10067365" y="5889119"/>
-            <a:ext cx="2153548" cy="17702"/>
-          </a:xfrm>
-          <a:prstGeom prst="straightConnector1">
-            <a:avLst/>
-          </a:prstGeom>
-          <a:ln w="19050">
-            <a:solidFill>
-              <a:schemeClr val="accent2"/>
-            </a:solidFill>
-            <a:tailEnd type="arrow"/>
-          </a:ln>
-        </p:spPr>
-        <p:style>
-          <a:lnRef idx="1">
-            <a:schemeClr val="accent1"/>
-          </a:lnRef>
-          <a:fillRef idx="0">
-            <a:schemeClr val="accent1"/>
-          </a:fillRef>
-          <a:effectRef idx="0">
-            <a:schemeClr val="accent1"/>
-          </a:effectRef>
-          <a:fontRef idx="minor">
-            <a:schemeClr val="tx1"/>
-          </a:fontRef>
-        </p:style>
-      </p:cxnSp>
-      <p:sp>
-        <p:nvSpPr>
-          <p:cNvPr id="108" name="TextBox 107">
-            <a:extLst>
-              <a:ext uri="{FF2B5EF4-FFF2-40B4-BE49-F238E27FC236}">
-                <a16:creationId xmlns:a16="http://schemas.microsoft.com/office/drawing/2014/main" id="{5816DE76-E627-4178-809C-434C076062D1}"/>
-              </a:ext>
-            </a:extLst>
-          </p:cNvPr>
-          <p:cNvSpPr txBox="1"/>
-          <p:nvPr/>
-        </p:nvSpPr>
-        <p:spPr>
-          <a:xfrm>
-            <a:off x="3320468" y="4626498"/>
-            <a:ext cx="1238921" cy="212959"/>
-          </a:xfrm>
-          <a:prstGeom prst="rect">
-            <a:avLst/>
-          </a:prstGeom>
-          <a:noFill/>
-        </p:spPr>
-        <p:txBody>
-          <a:bodyPr wrap="square" lIns="0" tIns="0" rIns="0" bIns="0" rtlCol="0">
-            <a:spAutoFit/>
-          </a:bodyPr>
-          <a:lstStyle>
-            <a:defPPr>
-              <a:defRPr lang="en-US"/>
-            </a:defPPr>
-            <a:lvl1pPr algn="r">
-              <a:defRPr sz="1400">
-                <a:solidFill>
-                  <a:srgbClr val="0070C0"/>
-                </a:solidFill>
-              </a:defRPr>
-            </a:lvl1pPr>
-          </a:lstStyle>
-          <a:p>
-            <a:endParaRPr lang="en-US" dirty="0"/>
-          </a:p>
-        </p:txBody>
-      </p:sp>
-      <p:sp>
-        <p:nvSpPr>
-          <p:cNvPr id="109" name="Rectangle 108">
-            <a:extLst>
-              <a:ext uri="{FF2B5EF4-FFF2-40B4-BE49-F238E27FC236}">
-                <a16:creationId xmlns:a16="http://schemas.microsoft.com/office/drawing/2014/main" id="{1BF209FF-97AE-4E81-A739-4A0ADFE80BC1}"/>
+          <p:cNvPr id="111" name="Rectangle 65">
+            <a:extLst>
+              <a:ext uri="{FF2B5EF4-FFF2-40B4-BE49-F238E27FC236}">
+                <a16:creationId xmlns:a16="http://schemas.microsoft.com/office/drawing/2014/main" id="{169F1930-33CC-4AB0-B5B3-0A8696784D90}"/>
               </a:ext>
             </a:extLst>
           </p:cNvPr>
@@ -4878,132 +5137,8 @@
         </p:nvSpPr>
         <p:spPr>
           <a:xfrm>
-            <a:off x="11473543" y="1778666"/>
-            <a:ext cx="1686016" cy="335753"/>
-          </a:xfrm>
-          <a:prstGeom prst="rect">
-            <a:avLst/>
-          </a:prstGeom>
-          <a:solidFill>
-            <a:schemeClr val="accent6"/>
-          </a:solidFill>
-          <a:ln>
-            <a:solidFill>
-              <a:schemeClr val="accent6"/>
-            </a:solidFill>
-          </a:ln>
-        </p:spPr>
-        <p:style>
-          <a:lnRef idx="2">
-            <a:schemeClr val="accent1">
-              <a:shade val="50000"/>
-            </a:schemeClr>
-          </a:lnRef>
-          <a:fillRef idx="1">
-            <a:schemeClr val="accent1"/>
-          </a:fillRef>
-          <a:effectRef idx="0">
-            <a:schemeClr val="accent1"/>
-          </a:effectRef>
-          <a:fontRef idx="minor">
-            <a:schemeClr val="lt1"/>
-          </a:fontRef>
-        </p:style>
-        <p:txBody>
-          <a:bodyPr rtlCol="0" anchor="ctr"/>
-          <a:lstStyle/>
-          <a:p>
-            <a:pPr algn="ctr"/>
-            <a:r>
-              <a:rPr lang="en-US" dirty="0"/>
-              <a:t>:</a:t>
-            </a:r>
-            <a:r>
-              <a:rPr lang="en-US" dirty="0" err="1"/>
-              <a:t>MainWindow</a:t>
-            </a:r>
-            <a:endParaRPr lang="en-US" dirty="0"/>
-          </a:p>
-        </p:txBody>
-      </p:sp>
-      <p:sp>
-        <p:nvSpPr>
-          <p:cNvPr id="110" name="TextBox 109">
-            <a:extLst>
-              <a:ext uri="{FF2B5EF4-FFF2-40B4-BE49-F238E27FC236}">
-                <a16:creationId xmlns:a16="http://schemas.microsoft.com/office/drawing/2014/main" id="{131F9F69-0516-410B-98E2-60555A138C91}"/>
-              </a:ext>
-            </a:extLst>
-          </p:cNvPr>
-          <p:cNvSpPr txBox="1"/>
-          <p:nvPr/>
-        </p:nvSpPr>
-        <p:spPr>
-          <a:xfrm>
-            <a:off x="12392818" y="5779198"/>
-            <a:ext cx="2383447" cy="215444"/>
-          </a:xfrm>
-          <a:prstGeom prst="rect">
-            <a:avLst/>
-          </a:prstGeom>
-          <a:noFill/>
-          <a:ln>
-            <a:noFill/>
-          </a:ln>
-        </p:spPr>
-        <p:txBody>
-          <a:bodyPr wrap="square" lIns="0" tIns="0" rIns="0" bIns="0" rtlCol="0">
-            <a:spAutoFit/>
-          </a:bodyPr>
-          <a:lstStyle>
-            <a:defPPr>
-              <a:defRPr lang="en-US"/>
-            </a:defPPr>
-            <a:lvl1pPr algn="r">
-              <a:defRPr sz="1400">
-                <a:solidFill>
-                  <a:srgbClr val="0070C0"/>
-                </a:solidFill>
-              </a:defRPr>
-            </a:lvl1pPr>
-          </a:lstStyle>
-          <a:p>
-            <a:pPr algn="ctr"/>
-            <a:r>
-              <a:rPr lang="en-US" dirty="0" err="1">
-                <a:solidFill>
-                  <a:schemeClr val="accent6"/>
-                </a:solidFill>
-              </a:rPr>
-              <a:t>handleStatusEvent</a:t>
-            </a:r>
-            <a:r>
-              <a:rPr lang="en-US" dirty="0">
-                <a:solidFill>
-                  <a:schemeClr val="accent6"/>
-                </a:solidFill>
-              </a:rPr>
-              <a:t>(event)</a:t>
-            </a:r>
-          </a:p>
-        </p:txBody>
-      </p:sp>
-      <p:sp>
-        <p:nvSpPr>
-          <p:cNvPr id="111" name="Rectangle 65">
-            <a:extLst>
-              <a:ext uri="{FF2B5EF4-FFF2-40B4-BE49-F238E27FC236}">
-                <a16:creationId xmlns:a16="http://schemas.microsoft.com/office/drawing/2014/main" id="{169F1930-33CC-4AB0-B5B3-0A8696784D90}"/>
-              </a:ext>
-            </a:extLst>
-          </p:cNvPr>
-          <p:cNvSpPr/>
-          <p:nvPr/>
-        </p:nvSpPr>
-        <p:spPr>
-          <a:xfrm>
-            <a:off x="3979690" y="1280160"/>
-            <a:ext cx="4917982" cy="4873688"/>
+            <a:off x="7440645" y="601734"/>
+            <a:ext cx="4917982" cy="5876556"/>
           </a:xfrm>
           <a:prstGeom prst="roundRect">
             <a:avLst>
@@ -5091,7 +5226,7 @@
         </p:nvSpPr>
         <p:spPr>
           <a:xfrm>
-            <a:off x="5769977" y="4468124"/>
+            <a:off x="9230932" y="3789698"/>
             <a:ext cx="1539353" cy="331558"/>
           </a:xfrm>
           <a:prstGeom prst="rect">
@@ -5194,7 +5329,7 @@
         </p:nvSpPr>
         <p:spPr>
           <a:xfrm>
-            <a:off x="6493770" y="5083085"/>
+            <a:off x="9954725" y="4404659"/>
             <a:ext cx="126483" cy="393964"/>
           </a:xfrm>
           <a:prstGeom prst="rect">
@@ -5263,7 +5398,7 @@
         </p:nvSpPr>
         <p:spPr>
           <a:xfrm>
-            <a:off x="4413962" y="4261311"/>
+            <a:off x="7874917" y="3582885"/>
             <a:ext cx="819290" cy="296717"/>
           </a:xfrm>
           <a:prstGeom prst="rect">
@@ -5350,9 +5485,9 @@
           <p:nvPr/>
         </p:nvCxnSpPr>
         <p:spPr>
-          <a:xfrm flipH="1">
-            <a:off x="4850689" y="4568978"/>
-            <a:ext cx="3853" cy="1715687"/>
+          <a:xfrm>
+            <a:off x="8315498" y="3890552"/>
+            <a:ext cx="4531" cy="2697061"/>
           </a:xfrm>
           <a:prstGeom prst="line">
             <a:avLst/>
@@ -5405,8 +5540,8 @@
         </p:nvCxnSpPr>
         <p:spPr>
           <a:xfrm>
-            <a:off x="6564027" y="4784512"/>
-            <a:ext cx="0" cy="1500153"/>
+            <a:off x="10024982" y="4106086"/>
+            <a:ext cx="0" cy="2481527"/>
           </a:xfrm>
           <a:prstGeom prst="line">
             <a:avLst/>
@@ -5459,7 +5594,7 @@
         </p:nvCxnSpPr>
         <p:spPr>
           <a:xfrm>
-            <a:off x="4911399" y="5083085"/>
+            <a:off x="8372354" y="4404659"/>
             <a:ext cx="1582371" cy="0"/>
           </a:xfrm>
           <a:prstGeom prst="straightConnector1">
@@ -5492,7 +5627,7 @@
         </p:nvCxnSpPr>
         <p:spPr>
           <a:xfrm flipV="1">
-            <a:off x="4908188" y="5468169"/>
+            <a:off x="8369143" y="4789743"/>
             <a:ext cx="1606725" cy="2"/>
           </a:xfrm>
           <a:prstGeom prst="straightConnector1">
@@ -5524,7 +5659,7 @@
         </p:nvSpPr>
         <p:spPr>
           <a:xfrm>
-            <a:off x="4272388" y="4864443"/>
+            <a:off x="7733343" y="4186017"/>
             <a:ext cx="1814121" cy="184666"/>
           </a:xfrm>
           <a:prstGeom prst="rect">
@@ -5628,7 +5763,7 @@
         </p:nvCxnSpPr>
         <p:spPr>
           <a:xfrm flipV="1">
-            <a:off x="2943092" y="4864915"/>
+            <a:off x="6404047" y="4186489"/>
             <a:ext cx="1808632" cy="15280"/>
           </a:xfrm>
           <a:prstGeom prst="straightConnector1">
@@ -5670,7 +5805,7 @@
         </p:nvSpPr>
         <p:spPr>
           <a:xfrm>
-            <a:off x="2406418" y="4623073"/>
+            <a:off x="5867373" y="3944647"/>
             <a:ext cx="1814121" cy="184666"/>
           </a:xfrm>
           <a:prstGeom prst="rect">
@@ -5747,50 +5882,6 @@
           </a:p>
         </p:txBody>
       </p:sp>
-      <p:cxnSp>
-        <p:nvCxnSpPr>
-          <p:cNvPr id="128" name="Straight Arrow Connector 127">
-            <a:extLst>
-              <a:ext uri="{FF2B5EF4-FFF2-40B4-BE49-F238E27FC236}">
-                <a16:creationId xmlns:a16="http://schemas.microsoft.com/office/drawing/2014/main" id="{6474934C-8AA0-4428-8612-1E859E1EA20E}"/>
-              </a:ext>
-            </a:extLst>
-          </p:cNvPr>
-          <p:cNvCxnSpPr>
-            <a:cxnSpLocks/>
-          </p:cNvCxnSpPr>
-          <p:nvPr/>
-        </p:nvCxnSpPr>
-        <p:spPr>
-          <a:xfrm>
-            <a:off x="2961460" y="5735588"/>
-            <a:ext cx="6963634" cy="37050"/>
-          </a:xfrm>
-          <a:prstGeom prst="straightConnector1">
-            <a:avLst/>
-          </a:prstGeom>
-          <a:ln w="19050">
-            <a:solidFill>
-              <a:srgbClr val="0070C0"/>
-            </a:solidFill>
-            <a:tailEnd type="arrow"/>
-          </a:ln>
-        </p:spPr>
-        <p:style>
-          <a:lnRef idx="1">
-            <a:schemeClr val="accent1"/>
-          </a:lnRef>
-          <a:fillRef idx="0">
-            <a:schemeClr val="accent1"/>
-          </a:fillRef>
-          <a:effectRef idx="0">
-            <a:schemeClr val="accent1"/>
-          </a:effectRef>
-          <a:fontRef idx="minor">
-            <a:schemeClr val="tx1"/>
-          </a:fontRef>
-        </p:style>
-      </p:cxnSp>
       <p:sp>
         <p:nvSpPr>
           <p:cNvPr id="129" name="Rectangle 128">
@@ -5805,7 +5896,7 @@
         </p:nvSpPr>
         <p:spPr>
           <a:xfrm>
-            <a:off x="4751724" y="4862703"/>
+            <a:off x="8212679" y="4184277"/>
             <a:ext cx="164412" cy="766745"/>
           </a:xfrm>
           <a:prstGeom prst="rect">
@@ -5874,7 +5965,7 @@
         </p:nvSpPr>
         <p:spPr>
           <a:xfrm>
-            <a:off x="5380321" y="5573435"/>
+            <a:off x="7937129" y="4846995"/>
             <a:ext cx="1814121" cy="184666"/>
           </a:xfrm>
           <a:prstGeom prst="rect">
@@ -5924,7 +6015,23 @@
                   </a:schemeClr>
                 </a:solidFill>
               </a:rPr>
-              <a:t>Status</a:t>
+              <a:t>p</a:t>
+            </a:r>
+            <a:r>
+              <a:rPr kumimoji="0" lang="en-US" sz="1200" b="0" i="0" u="none" strike="noStrike" kern="0" cap="none" spc="0" normalizeH="0" baseline="0" noProof="0" dirty="0" err="1">
+                <a:ln>
+                  <a:noFill/>
+                </a:ln>
+                <a:solidFill>
+                  <a:schemeClr val="accent1">
+                    <a:lumMod val="75000"/>
+                  </a:schemeClr>
+                </a:solidFill>
+                <a:effectLst/>
+                <a:uLnTx/>
+                <a:uFillTx/>
+              </a:rPr>
+              <a:t>ost</a:t>
             </a:r>
             <a:r>
               <a:rPr kumimoji="0" lang="en-US" sz="1200" b="0" i="0" u="none" strike="noStrike" kern="0" cap="none" spc="0" normalizeH="0" baseline="0" noProof="0" dirty="0">
@@ -5940,17 +6047,23 @@
                 <a:uLnTx/>
                 <a:uFillTx/>
               </a:rPr>
-              <a:t>Event(</a:t>
-            </a:r>
-            <a:r>
-              <a:rPr lang="en-US" sz="1200" kern="0" dirty="0">
+              <a:t>(</a:t>
+            </a:r>
+            <a:r>
+              <a:rPr kumimoji="0" lang="en-US" sz="1200" b="0" i="0" u="none" strike="noStrike" kern="0" cap="none" spc="0" normalizeH="0" baseline="0" noProof="0" dirty="0" err="1">
+                <a:ln>
+                  <a:noFill/>
+                </a:ln>
                 <a:solidFill>
                   <a:schemeClr val="accent1">
                     <a:lumMod val="75000"/>
                   </a:schemeClr>
                 </a:solidFill>
+                <a:effectLst/>
+                <a:uLnTx/>
+                <a:uFillTx/>
               </a:rPr>
-              <a:t>status</a:t>
+              <a:t>StatusEvent</a:t>
             </a:r>
             <a:r>
               <a:rPr kumimoji="0" lang="en-US" sz="1200" b="0" i="0" u="none" strike="noStrike" kern="0" cap="none" spc="0" normalizeH="0" baseline="0" noProof="0" dirty="0">
@@ -5958,7 +6071,9 @@
                   <a:noFill/>
                 </a:ln>
                 <a:solidFill>
-                  <a:srgbClr val="00B0F0"/>
+                  <a:schemeClr val="accent1">
+                    <a:lumMod val="75000"/>
+                  </a:schemeClr>
                 </a:solidFill>
                 <a:effectLst/>
                 <a:uLnTx/>
@@ -5966,6 +6081,17 @@
               </a:rPr>
               <a:t>)</a:t>
             </a:r>
+            <a:endParaRPr kumimoji="0" lang="en-US" sz="1200" b="0" i="0" u="none" strike="noStrike" kern="0" cap="none" spc="0" normalizeH="0" baseline="0" noProof="0" dirty="0">
+              <a:ln>
+                <a:noFill/>
+              </a:ln>
+              <a:solidFill>
+                <a:srgbClr val="00B0F0"/>
+              </a:solidFill>
+              <a:effectLst/>
+              <a:uLnTx/>
+              <a:uFillTx/>
+            </a:endParaRPr>
           </a:p>
         </p:txBody>
       </p:sp>
@@ -5986,7 +6112,7 @@
         </p:nvCxnSpPr>
         <p:spPr>
           <a:xfrm>
-            <a:off x="2942704" y="5622733"/>
+            <a:off x="6403659" y="4944307"/>
             <a:ext cx="1891226" cy="6715"/>
           </a:xfrm>
           <a:prstGeom prst="straightConnector1">
@@ -6006,10 +6132,10 @@
       </p:cxnSp>
       <p:cxnSp>
         <p:nvCxnSpPr>
-          <p:cNvPr id="132" name="Straight Arrow Connector 131">
-            <a:extLst>
-              <a:ext uri="{FF2B5EF4-FFF2-40B4-BE49-F238E27FC236}">
-                <a16:creationId xmlns:a16="http://schemas.microsoft.com/office/drawing/2014/main" id="{0C026443-97BD-44DC-A007-089BD097ED2A}"/>
+          <p:cNvPr id="133" name="Straight Connector 132">
+            <a:extLst>
+              <a:ext uri="{FF2B5EF4-FFF2-40B4-BE49-F238E27FC236}">
+                <a16:creationId xmlns:a16="http://schemas.microsoft.com/office/drawing/2014/main" id="{E3EA7D79-954A-48F6-9C0F-D232C7F419C7}"/>
               </a:ext>
             </a:extLst>
           </p:cNvPr>
@@ -6019,55 +6145,9 @@
           <p:nvPr/>
         </p:nvCxnSpPr>
         <p:spPr>
-          <a:xfrm>
-            <a:off x="12410695" y="6009746"/>
-            <a:ext cx="1217240" cy="0"/>
-          </a:xfrm>
-          <a:prstGeom prst="straightConnector1">
-            <a:avLst/>
-          </a:prstGeom>
-          <a:ln w="19050">
-            <a:solidFill>
-              <a:schemeClr val="accent6">
-                <a:lumMod val="75000"/>
-              </a:schemeClr>
-            </a:solidFill>
-            <a:tailEnd type="arrow"/>
-          </a:ln>
-        </p:spPr>
-        <p:style>
-          <a:lnRef idx="1">
-            <a:schemeClr val="accent1"/>
-          </a:lnRef>
-          <a:fillRef idx="0">
-            <a:schemeClr val="accent1"/>
-          </a:fillRef>
-          <a:effectRef idx="0">
-            <a:schemeClr val="accent1"/>
-          </a:effectRef>
-          <a:fontRef idx="minor">
-            <a:schemeClr val="tx1"/>
-          </a:fontRef>
-        </p:style>
-      </p:cxnSp>
-      <p:cxnSp>
-        <p:nvCxnSpPr>
-          <p:cNvPr id="133" name="Straight Connector 132">
-            <a:extLst>
-              <a:ext uri="{FF2B5EF4-FFF2-40B4-BE49-F238E27FC236}">
-                <a16:creationId xmlns:a16="http://schemas.microsoft.com/office/drawing/2014/main" id="{E3EA7D79-954A-48F6-9C0F-D232C7F419C7}"/>
-              </a:ext>
-            </a:extLst>
-          </p:cNvPr>
-          <p:cNvCxnSpPr>
-            <a:cxnSpLocks/>
-          </p:cNvCxnSpPr>
-          <p:nvPr/>
-        </p:nvCxnSpPr>
-        <p:spPr>
-          <a:xfrm>
-            <a:off x="2849945" y="3590165"/>
-            <a:ext cx="1895" cy="2743517"/>
+          <a:xfrm flipH="1">
+            <a:off x="6290341" y="2911739"/>
+            <a:ext cx="20559" cy="3675874"/>
           </a:xfrm>
           <a:prstGeom prst="line">
             <a:avLst/>
@@ -6109,7 +6189,7 @@
         </p:nvCxnSpPr>
         <p:spPr>
           <a:xfrm>
-            <a:off x="2775787" y="6316405"/>
+            <a:off x="6236742" y="6587613"/>
             <a:ext cx="131541" cy="148175"/>
           </a:xfrm>
           <a:prstGeom prst="line">
@@ -6133,62 +6213,6 @@
       </p:cxnSp>
       <p:cxnSp>
         <p:nvCxnSpPr>
-          <p:cNvPr id="135" name="Straight Connector 134">
-            <a:extLst>
-              <a:ext uri="{FF2B5EF4-FFF2-40B4-BE49-F238E27FC236}">
-                <a16:creationId xmlns:a16="http://schemas.microsoft.com/office/drawing/2014/main" id="{266D2F1B-3E06-4E23-8CE9-FEE51116D6C2}"/>
-              </a:ext>
-            </a:extLst>
-          </p:cNvPr>
-          <p:cNvCxnSpPr>
-            <a:cxnSpLocks/>
-          </p:cNvCxnSpPr>
-          <p:nvPr/>
-        </p:nvCxnSpPr>
-        <p:spPr>
-          <a:xfrm>
-            <a:off x="10067365" y="2065402"/>
-            <a:ext cx="0" cy="4219263"/>
-          </a:xfrm>
-          <a:prstGeom prst="line">
-            <a:avLst/>
-          </a:prstGeom>
-          <a:gradFill rotWithShape="1">
-            <a:gsLst>
-              <a:gs pos="0">
-                <a:srgbClr val="4F81BD">
-                  <a:tint val="50000"/>
-                  <a:satMod val="300000"/>
-                </a:srgbClr>
-              </a:gs>
-              <a:gs pos="35000">
-                <a:srgbClr val="4F81BD">
-                  <a:tint val="37000"/>
-                  <a:satMod val="300000"/>
-                </a:srgbClr>
-              </a:gs>
-              <a:gs pos="100000">
-                <a:srgbClr val="4F81BD">
-                  <a:tint val="15000"/>
-                  <a:satMod val="350000"/>
-                </a:srgbClr>
-              </a:gs>
-            </a:gsLst>
-            <a:lin ang="16200000" scaled="1"/>
-          </a:gradFill>
-          <a:ln w="19050" cap="flat" cmpd="sng" algn="ctr">
-            <a:solidFill>
-              <a:schemeClr val="accent2">
-                <a:lumMod val="75000"/>
-              </a:schemeClr>
-            </a:solidFill>
-            <a:prstDash val="sysDash"/>
-          </a:ln>
-          <a:effectLst/>
-        </p:spPr>
-      </p:cxnSp>
-      <p:cxnSp>
-        <p:nvCxnSpPr>
           <p:cNvPr id="136" name="Straight Connector 135">
             <a:extLst>
               <a:ext uri="{FF2B5EF4-FFF2-40B4-BE49-F238E27FC236}">
@@ -6201,7 +6225,7 @@
         </p:nvCxnSpPr>
         <p:spPr>
           <a:xfrm flipV="1">
-            <a:off x="2775787" y="6316405"/>
+            <a:off x="6236742" y="6587613"/>
             <a:ext cx="131541" cy="148175"/>
           </a:xfrm>
           <a:prstGeom prst="line">
@@ -6237,7 +6261,7 @@
         </p:nvSpPr>
         <p:spPr>
           <a:xfrm>
-            <a:off x="-3004557" y="2130212"/>
+            <a:off x="208777" y="1535184"/>
             <a:ext cx="1667016" cy="215444"/>
           </a:xfrm>
           <a:prstGeom prst="rect">
@@ -6270,60 +6294,6 @@
           </a:p>
         </p:txBody>
       </p:sp>
-      <p:sp>
-        <p:nvSpPr>
-          <p:cNvPr id="138" name="Rectangle 137">
-            <a:extLst>
-              <a:ext uri="{FF2B5EF4-FFF2-40B4-BE49-F238E27FC236}">
-                <a16:creationId xmlns:a16="http://schemas.microsoft.com/office/drawing/2014/main" id="{73451F74-4D10-4F9E-8AAF-E60B6B3354AB}"/>
-              </a:ext>
-            </a:extLst>
-          </p:cNvPr>
-          <p:cNvSpPr/>
-          <p:nvPr/>
-        </p:nvSpPr>
-        <p:spPr>
-          <a:xfrm>
-            <a:off x="9926989" y="5757587"/>
-            <a:ext cx="248622" cy="335753"/>
-          </a:xfrm>
-          <a:prstGeom prst="rect">
-            <a:avLst/>
-          </a:prstGeom>
-          <a:solidFill>
-            <a:schemeClr val="accent2"/>
-          </a:solidFill>
-          <a:ln>
-            <a:solidFill>
-              <a:schemeClr val="accent2"/>
-            </a:solidFill>
-          </a:ln>
-        </p:spPr>
-        <p:style>
-          <a:lnRef idx="2">
-            <a:schemeClr val="accent1">
-              <a:shade val="50000"/>
-            </a:schemeClr>
-          </a:lnRef>
-          <a:fillRef idx="1">
-            <a:schemeClr val="accent1"/>
-          </a:fillRef>
-          <a:effectRef idx="0">
-            <a:schemeClr val="accent1"/>
-          </a:effectRef>
-          <a:fontRef idx="minor">
-            <a:schemeClr val="lt1"/>
-          </a:fontRef>
-        </p:style>
-        <p:txBody>
-          <a:bodyPr rtlCol="0" anchor="ctr"/>
-          <a:lstStyle/>
-          <a:p>
-            <a:pPr algn="ctr"/>
-            <a:endParaRPr lang="en-US" dirty="0"/>
-          </a:p>
-        </p:txBody>
-      </p:sp>
       <p:cxnSp>
         <p:nvCxnSpPr>
           <p:cNvPr id="139" name="Straight Connector 138">
@@ -6340,8 +6310,8 @@
         </p:nvCxnSpPr>
         <p:spPr>
           <a:xfrm>
-            <a:off x="12304597" y="2114419"/>
-            <a:ext cx="0" cy="4219263"/>
+            <a:off x="-458187" y="3605076"/>
+            <a:ext cx="0" cy="3056624"/>
           </a:xfrm>
           <a:prstGeom prst="line">
             <a:avLst/>
@@ -6394,8 +6364,8 @@
         </p:nvSpPr>
         <p:spPr>
           <a:xfrm>
-            <a:off x="12220913" y="5908914"/>
-            <a:ext cx="184743" cy="179346"/>
+            <a:off x="-539848" y="5763574"/>
+            <a:ext cx="150042" cy="492692"/>
           </a:xfrm>
           <a:prstGeom prst="rect">
             <a:avLst/>
@@ -6448,7 +6418,7 @@
         </p:nvSpPr>
         <p:spPr>
           <a:xfrm>
-            <a:off x="5383235" y="5230603"/>
+            <a:off x="8844190" y="4552177"/>
             <a:ext cx="604722" cy="215444"/>
           </a:xfrm>
           <a:prstGeom prst="rect">
@@ -6501,7 +6471,7 @@
         </p:nvSpPr>
         <p:spPr>
           <a:xfrm>
-            <a:off x="3615553" y="5413589"/>
+            <a:off x="7076508" y="4735163"/>
             <a:ext cx="604722" cy="215444"/>
           </a:xfrm>
           <a:prstGeom prst="rect">
@@ -6555,9 +6525,9 @@
           <p:nvPr/>
         </p:nvCxnSpPr>
         <p:spPr>
-          <a:xfrm flipH="1">
-            <a:off x="-1337541" y="1964751"/>
-            <a:ext cx="11466" cy="4499829"/>
+          <a:xfrm>
+            <a:off x="2115834" y="1295709"/>
+            <a:ext cx="15858" cy="5291904"/>
           </a:xfrm>
           <a:prstGeom prst="line">
             <a:avLst/>
@@ -6585,6 +6555,430 @@
           </a:fontRef>
         </p:style>
       </p:cxnSp>
+      <p:sp>
+        <p:nvSpPr>
+          <p:cNvPr id="61" name="Rectangle 65">
+            <a:extLst>
+              <a:ext uri="{FF2B5EF4-FFF2-40B4-BE49-F238E27FC236}">
+                <a16:creationId xmlns:a16="http://schemas.microsoft.com/office/drawing/2014/main" id="{4EA8F5A2-1543-48BB-8425-01AD025732CC}"/>
+              </a:ext>
+            </a:extLst>
+          </p:cNvPr>
+          <p:cNvSpPr/>
+          <p:nvPr/>
+        </p:nvSpPr>
+        <p:spPr>
+          <a:xfrm>
+            <a:off x="12414289" y="601733"/>
+            <a:ext cx="2005114" cy="5876557"/>
+          </a:xfrm>
+          <a:prstGeom prst="roundRect">
+            <a:avLst>
+              <a:gd name="adj" fmla="val 3484"/>
+            </a:avLst>
+          </a:prstGeom>
+          <a:solidFill>
+            <a:srgbClr val="B4D1D9"/>
+          </a:solidFill>
+          <a:ln w="19050">
+            <a:noFill/>
+          </a:ln>
+          <a:effectLst/>
+        </p:spPr>
+        <p:style>
+          <a:lnRef idx="1">
+            <a:schemeClr val="accent2"/>
+          </a:lnRef>
+          <a:fillRef idx="2">
+            <a:schemeClr val="accent2"/>
+          </a:fillRef>
+          <a:effectRef idx="1">
+            <a:schemeClr val="accent2"/>
+          </a:effectRef>
+          <a:fontRef idx="minor">
+            <a:schemeClr val="dk1"/>
+          </a:fontRef>
+        </p:style>
+        <p:txBody>
+          <a:bodyPr rtlCol="0" anchor="t"/>
+          <a:lstStyle/>
+          <a:p>
+            <a:r>
+              <a:rPr lang="en-US" sz="1200" b="1" dirty="0">
+                <a:solidFill>
+                  <a:srgbClr val="30869C"/>
+                </a:solidFill>
+              </a:rPr>
+              <a:t>Common</a:t>
+            </a:r>
+            <a:endParaRPr lang="en-SG" sz="1200" b="1" dirty="0">
+              <a:solidFill>
+                <a:srgbClr val="30869C"/>
+              </a:solidFill>
+            </a:endParaRPr>
+          </a:p>
+        </p:txBody>
+      </p:sp>
+      <p:sp>
+        <p:nvSpPr>
+          <p:cNvPr id="62" name="Rectangle 61">
+            <a:extLst>
+              <a:ext uri="{FF2B5EF4-FFF2-40B4-BE49-F238E27FC236}">
+                <a16:creationId xmlns:a16="http://schemas.microsoft.com/office/drawing/2014/main" id="{FAE77D40-E3B7-45F9-BDC4-A73AA7DE07AE}"/>
+              </a:ext>
+            </a:extLst>
+          </p:cNvPr>
+          <p:cNvSpPr/>
+          <p:nvPr/>
+        </p:nvSpPr>
+        <p:spPr>
+          <a:xfrm>
+            <a:off x="12608170" y="1093097"/>
+            <a:ext cx="1485061" cy="333592"/>
+          </a:xfrm>
+          <a:prstGeom prst="rect">
+            <a:avLst/>
+          </a:prstGeom>
+          <a:solidFill>
+            <a:srgbClr val="30869C"/>
+          </a:solidFill>
+          <a:ln>
+            <a:solidFill>
+              <a:srgbClr val="30869C"/>
+            </a:solidFill>
+          </a:ln>
+        </p:spPr>
+        <p:style>
+          <a:lnRef idx="2">
+            <a:schemeClr val="accent1">
+              <a:shade val="50000"/>
+            </a:schemeClr>
+          </a:lnRef>
+          <a:fillRef idx="1">
+            <a:schemeClr val="accent1"/>
+          </a:fillRef>
+          <a:effectRef idx="0">
+            <a:schemeClr val="accent1"/>
+          </a:effectRef>
+          <a:fontRef idx="minor">
+            <a:schemeClr val="lt1"/>
+          </a:fontRef>
+        </p:style>
+        <p:txBody>
+          <a:bodyPr rtlCol="0" anchor="ctr"/>
+          <a:lstStyle/>
+          <a:p>
+            <a:pPr algn="ctr"/>
+            <a:r>
+              <a:rPr lang="en-US" dirty="0"/>
+              <a:t>:</a:t>
+            </a:r>
+            <a:r>
+              <a:rPr lang="en-US" dirty="0" err="1"/>
+              <a:t>EventsCenter</a:t>
+            </a:r>
+            <a:endParaRPr lang="en-US" dirty="0"/>
+          </a:p>
+        </p:txBody>
+      </p:sp>
+      <p:cxnSp>
+        <p:nvCxnSpPr>
+          <p:cNvPr id="63" name="Straight Connector 62">
+            <a:extLst>
+              <a:ext uri="{FF2B5EF4-FFF2-40B4-BE49-F238E27FC236}">
+                <a16:creationId xmlns:a16="http://schemas.microsoft.com/office/drawing/2014/main" id="{71ED5E88-A36A-477C-B368-553A9E961716}"/>
+              </a:ext>
+            </a:extLst>
+          </p:cNvPr>
+          <p:cNvCxnSpPr>
+            <a:cxnSpLocks/>
+          </p:cNvCxnSpPr>
+          <p:nvPr/>
+        </p:nvCxnSpPr>
+        <p:spPr>
+          <a:xfrm>
+            <a:off x="13350700" y="1377972"/>
+            <a:ext cx="0" cy="5209641"/>
+          </a:xfrm>
+          <a:prstGeom prst="line">
+            <a:avLst/>
+          </a:prstGeom>
+          <a:ln w="19050">
+            <a:solidFill>
+              <a:srgbClr val="30869C"/>
+            </a:solidFill>
+            <a:prstDash val="sysDash"/>
+          </a:ln>
+          <a:effectLst/>
+        </p:spPr>
+        <p:style>
+          <a:lnRef idx="1">
+            <a:schemeClr val="accent1"/>
+          </a:lnRef>
+          <a:fillRef idx="2">
+            <a:schemeClr val="accent1"/>
+          </a:fillRef>
+          <a:effectRef idx="1">
+            <a:schemeClr val="accent1"/>
+          </a:effectRef>
+          <a:fontRef idx="minor">
+            <a:schemeClr val="dk1"/>
+          </a:fontRef>
+        </p:style>
+      </p:cxnSp>
+      <p:sp>
+        <p:nvSpPr>
+          <p:cNvPr id="64" name="Rectangle 63">
+            <a:extLst>
+              <a:ext uri="{FF2B5EF4-FFF2-40B4-BE49-F238E27FC236}">
+                <a16:creationId xmlns:a16="http://schemas.microsoft.com/office/drawing/2014/main" id="{6AE1B704-109B-4E5E-9D13-E199BDA5E9BD}"/>
+              </a:ext>
+            </a:extLst>
+          </p:cNvPr>
+          <p:cNvSpPr/>
+          <p:nvPr/>
+        </p:nvSpPr>
+        <p:spPr>
+          <a:xfrm>
+            <a:off x="13247209" y="4307804"/>
+            <a:ext cx="188276" cy="2053667"/>
+          </a:xfrm>
+          <a:prstGeom prst="rect">
+            <a:avLst/>
+          </a:prstGeom>
+          <a:solidFill>
+            <a:srgbClr val="30869C"/>
+          </a:solidFill>
+          <a:ln>
+            <a:solidFill>
+              <a:srgbClr val="30869C"/>
+            </a:solidFill>
+          </a:ln>
+        </p:spPr>
+        <p:style>
+          <a:lnRef idx="2">
+            <a:schemeClr val="accent1">
+              <a:shade val="50000"/>
+            </a:schemeClr>
+          </a:lnRef>
+          <a:fillRef idx="1">
+            <a:schemeClr val="accent1"/>
+          </a:fillRef>
+          <a:effectRef idx="0">
+            <a:schemeClr val="accent1"/>
+          </a:effectRef>
+          <a:fontRef idx="minor">
+            <a:schemeClr val="lt1"/>
+          </a:fontRef>
+        </p:style>
+        <p:txBody>
+          <a:bodyPr rtlCol="0" anchor="ctr"/>
+          <a:lstStyle/>
+          <a:p>
+            <a:pPr algn="ctr"/>
+            <a:endParaRPr lang="en-US" dirty="0"/>
+          </a:p>
+        </p:txBody>
+      </p:sp>
+      <p:cxnSp>
+        <p:nvCxnSpPr>
+          <p:cNvPr id="128" name="Straight Arrow Connector 127">
+            <a:extLst>
+              <a:ext uri="{FF2B5EF4-FFF2-40B4-BE49-F238E27FC236}">
+                <a16:creationId xmlns:a16="http://schemas.microsoft.com/office/drawing/2014/main" id="{6474934C-8AA0-4428-8612-1E859E1EA20E}"/>
+              </a:ext>
+            </a:extLst>
+          </p:cNvPr>
+          <p:cNvCxnSpPr>
+            <a:cxnSpLocks/>
+          </p:cNvCxnSpPr>
+          <p:nvPr/>
+        </p:nvCxnSpPr>
+        <p:spPr>
+          <a:xfrm>
+            <a:off x="6422415" y="5057162"/>
+            <a:ext cx="6824794" cy="31741"/>
+          </a:xfrm>
+          <a:prstGeom prst="straightConnector1">
+            <a:avLst/>
+          </a:prstGeom>
+          <a:ln w="19050">
+            <a:solidFill>
+              <a:srgbClr val="0070C0"/>
+            </a:solidFill>
+            <a:tailEnd type="arrow"/>
+          </a:ln>
+        </p:spPr>
+        <p:style>
+          <a:lnRef idx="1">
+            <a:schemeClr val="accent1"/>
+          </a:lnRef>
+          <a:fillRef idx="0">
+            <a:schemeClr val="accent1"/>
+          </a:fillRef>
+          <a:effectRef idx="0">
+            <a:schemeClr val="accent1"/>
+          </a:effectRef>
+          <a:fontRef idx="minor">
+            <a:schemeClr val="tx1"/>
+          </a:fontRef>
+        </p:style>
+      </p:cxnSp>
+      <p:cxnSp>
+        <p:nvCxnSpPr>
+          <p:cNvPr id="71" name="Straight Arrow Connector 70">
+            <a:extLst>
+              <a:ext uri="{FF2B5EF4-FFF2-40B4-BE49-F238E27FC236}">
+                <a16:creationId xmlns:a16="http://schemas.microsoft.com/office/drawing/2014/main" id="{0D5D20F4-9442-42B4-91D9-882E3217309B}"/>
+              </a:ext>
+            </a:extLst>
+          </p:cNvPr>
+          <p:cNvCxnSpPr>
+            <a:cxnSpLocks/>
+          </p:cNvCxnSpPr>
+          <p:nvPr/>
+        </p:nvCxnSpPr>
+        <p:spPr>
+          <a:xfrm flipH="1">
+            <a:off x="-364411" y="5696446"/>
+            <a:ext cx="13640366" cy="51814"/>
+          </a:xfrm>
+          <a:prstGeom prst="straightConnector1">
+            <a:avLst/>
+          </a:prstGeom>
+          <a:ln w="19050">
+            <a:solidFill>
+              <a:srgbClr val="30869C"/>
+            </a:solidFill>
+            <a:tailEnd type="arrow"/>
+          </a:ln>
+        </p:spPr>
+        <p:style>
+          <a:lnRef idx="1">
+            <a:schemeClr val="accent1"/>
+          </a:lnRef>
+          <a:fillRef idx="0">
+            <a:schemeClr val="accent1"/>
+          </a:fillRef>
+          <a:effectRef idx="0">
+            <a:schemeClr val="accent1"/>
+          </a:effectRef>
+          <a:fontRef idx="minor">
+            <a:schemeClr val="tx1"/>
+          </a:fontRef>
+        </p:style>
+      </p:cxnSp>
+      <p:cxnSp>
+        <p:nvCxnSpPr>
+          <p:cNvPr id="82" name="Straight Arrow Connector 81">
+            <a:extLst>
+              <a:ext uri="{FF2B5EF4-FFF2-40B4-BE49-F238E27FC236}">
+                <a16:creationId xmlns:a16="http://schemas.microsoft.com/office/drawing/2014/main" id="{1ED2E25B-724F-41BA-84EC-50B4D040F177}"/>
+              </a:ext>
+            </a:extLst>
+          </p:cNvPr>
+          <p:cNvCxnSpPr>
+            <a:cxnSpLocks/>
+          </p:cNvCxnSpPr>
+          <p:nvPr/>
+        </p:nvCxnSpPr>
+        <p:spPr>
+          <a:xfrm>
+            <a:off x="-364411" y="6256266"/>
+            <a:ext cx="13611620" cy="17344"/>
+          </a:xfrm>
+          <a:prstGeom prst="straightConnector1">
+            <a:avLst/>
+          </a:prstGeom>
+          <a:ln w="28575">
+            <a:solidFill>
+              <a:schemeClr val="accent6"/>
+            </a:solidFill>
+            <a:prstDash val="sysDash"/>
+            <a:tailEnd type="triangle"/>
+          </a:ln>
+        </p:spPr>
+        <p:style>
+          <a:lnRef idx="1">
+            <a:schemeClr val="accent1"/>
+          </a:lnRef>
+          <a:fillRef idx="0">
+            <a:schemeClr val="accent1"/>
+          </a:fillRef>
+          <a:effectRef idx="0">
+            <a:schemeClr val="accent1"/>
+          </a:effectRef>
+          <a:fontRef idx="minor">
+            <a:schemeClr val="tx1"/>
+          </a:fontRef>
+        </p:style>
+      </p:cxnSp>
+      <p:sp>
+        <p:nvSpPr>
+          <p:cNvPr id="96" name="TextBox 95">
+            <a:extLst>
+              <a:ext uri="{FF2B5EF4-FFF2-40B4-BE49-F238E27FC236}">
+                <a16:creationId xmlns:a16="http://schemas.microsoft.com/office/drawing/2014/main" id="{4334157A-A29D-4597-AFFD-2DF0A92A826B}"/>
+              </a:ext>
+            </a:extLst>
+          </p:cNvPr>
+          <p:cNvSpPr txBox="1"/>
+          <p:nvPr/>
+        </p:nvSpPr>
+        <p:spPr>
+          <a:xfrm>
+            <a:off x="5295929" y="5434665"/>
+            <a:ext cx="1950867" cy="215444"/>
+          </a:xfrm>
+          <a:prstGeom prst="rect">
+            <a:avLst/>
+          </a:prstGeom>
+          <a:noFill/>
+          <a:ln>
+            <a:noFill/>
+          </a:ln>
+        </p:spPr>
+        <p:txBody>
+          <a:bodyPr wrap="square" lIns="0" tIns="0" rIns="0" bIns="0" rtlCol="0">
+            <a:spAutoFit/>
+          </a:bodyPr>
+          <a:lstStyle>
+            <a:defPPr>
+              <a:defRPr lang="en-US"/>
+            </a:defPPr>
+            <a:lvl1pPr algn="r">
+              <a:defRPr sz="1400">
+                <a:solidFill>
+                  <a:srgbClr val="0070C0"/>
+                </a:solidFill>
+              </a:defRPr>
+            </a:lvl1pPr>
+          </a:lstStyle>
+          <a:p>
+            <a:pPr algn="ctr"/>
+            <a:r>
+              <a:rPr lang="en-US" dirty="0" err="1">
+                <a:solidFill>
+                  <a:schemeClr val="accent5">
+                    <a:lumMod val="50000"/>
+                  </a:schemeClr>
+                </a:solidFill>
+              </a:rPr>
+              <a:t>handleStatusEvent</a:t>
+            </a:r>
+            <a:r>
+              <a:rPr lang="en-US" dirty="0">
+                <a:solidFill>
+                  <a:schemeClr val="accent5">
+                    <a:lumMod val="50000"/>
+                  </a:schemeClr>
+                </a:solidFill>
+              </a:rPr>
+              <a:t>(event)</a:t>
+            </a:r>
+          </a:p>
+        </p:txBody>
+      </p:sp>
     </p:spTree>
     <p:extLst>
       <p:ext uri="{BB962C8B-B14F-4D97-AF65-F5344CB8AC3E}">
@@ -6891,4 +7285,299 @@
     </a:ext>
   </a:extLst>
 </a:theme>
+</file>
+
+<file path=ppt/theme/theme2.xml><?xml version="1.0" encoding="utf-8"?>
+<a:theme xmlns:a="http://schemas.openxmlformats.org/drawingml/2006/main" name="Office Theme">
+  <a:themeElements>
+    <a:clrScheme name="Office">
+      <a:dk1>
+        <a:sysClr val="windowText" lastClr="000000"/>
+      </a:dk1>
+      <a:lt1>
+        <a:sysClr val="window" lastClr="FFFFFF"/>
+      </a:lt1>
+      <a:dk2>
+        <a:srgbClr val="44546A"/>
+      </a:dk2>
+      <a:lt2>
+        <a:srgbClr val="E7E6E6"/>
+      </a:lt2>
+      <a:accent1>
+        <a:srgbClr val="4472C4"/>
+      </a:accent1>
+      <a:accent2>
+        <a:srgbClr val="ED7D31"/>
+      </a:accent2>
+      <a:accent3>
+        <a:srgbClr val="A5A5A5"/>
+      </a:accent3>
+      <a:accent4>
+        <a:srgbClr val="FFC000"/>
+      </a:accent4>
+      <a:accent5>
+        <a:srgbClr val="5B9BD5"/>
+      </a:accent5>
+      <a:accent6>
+        <a:srgbClr val="70AD47"/>
+      </a:accent6>
+      <a:hlink>
+        <a:srgbClr val="0563C1"/>
+      </a:hlink>
+      <a:folHlink>
+        <a:srgbClr val="954F72"/>
+      </a:folHlink>
+    </a:clrScheme>
+    <a:fontScheme name="Office">
+      <a:majorFont>
+        <a:latin typeface="Calibri Light" panose="020F0302020204030204"/>
+        <a:ea typeface=""/>
+        <a:cs typeface=""/>
+        <a:font script="Jpan" typeface="游ゴシック Light"/>
+        <a:font script="Hang" typeface="맑은 고딕"/>
+        <a:font script="Hans" typeface="等线 Light"/>
+        <a:font script="Hant" typeface="新細明體"/>
+        <a:font script="Arab" typeface="Times New Roman"/>
+        <a:font script="Hebr" typeface="Times New Roman"/>
+        <a:font script="Thai" typeface="Angsana New"/>
+        <a:font script="Ethi" typeface="Nyala"/>
+        <a:font script="Beng" typeface="Vrinda"/>
+        <a:font script="Gujr" typeface="Shruti"/>
+        <a:font script="Khmr" typeface="MoolBoran"/>
+        <a:font script="Knda" typeface="Tunga"/>
+        <a:font script="Guru" typeface="Raavi"/>
+        <a:font script="Cans" typeface="Euphemia"/>
+        <a:font script="Cher" typeface="Plantagenet Cherokee"/>
+        <a:font script="Yiii" typeface="Microsoft Yi Baiti"/>
+        <a:font script="Tibt" typeface="Microsoft Himalaya"/>
+        <a:font script="Thaa" typeface="MV Boli"/>
+        <a:font script="Deva" typeface="Mangal"/>
+        <a:font script="Telu" typeface="Gautami"/>
+        <a:font script="Taml" typeface="Latha"/>
+        <a:font script="Syrc" typeface="Estrangelo Edessa"/>
+        <a:font script="Orya" typeface="Kalinga"/>
+        <a:font script="Mlym" typeface="Kartika"/>
+        <a:font script="Laoo" typeface="DokChampa"/>
+        <a:font script="Sinh" typeface="Iskoola Pota"/>
+        <a:font script="Mong" typeface="Mongolian Baiti"/>
+        <a:font script="Viet" typeface="Times New Roman"/>
+        <a:font script="Uigh" typeface="Microsoft Uighur"/>
+        <a:font script="Geor" typeface="Sylfaen"/>
+        <a:font script="Armn" typeface="Arial"/>
+        <a:font script="Bugi" typeface="Leelawadee UI"/>
+        <a:font script="Bopo" typeface="Microsoft JhengHei"/>
+        <a:font script="Java" typeface="Javanese Text"/>
+        <a:font script="Lisu" typeface="Segoe UI"/>
+        <a:font script="Mymr" typeface="Myanmar Text"/>
+        <a:font script="Nkoo" typeface="Ebrima"/>
+        <a:font script="Olck" typeface="Nirmala UI"/>
+        <a:font script="Osma" typeface="Ebrima"/>
+        <a:font script="Phag" typeface="Phagspa"/>
+        <a:font script="Syrn" typeface="Estrangelo Edessa"/>
+        <a:font script="Syrj" typeface="Estrangelo Edessa"/>
+        <a:font script="Syre" typeface="Estrangelo Edessa"/>
+        <a:font script="Sora" typeface="Nirmala UI"/>
+        <a:font script="Tale" typeface="Microsoft Tai Le"/>
+        <a:font script="Talu" typeface="Microsoft New Tai Lue"/>
+        <a:font script="Tfng" typeface="Ebrima"/>
+      </a:majorFont>
+      <a:minorFont>
+        <a:latin typeface="Calibri" panose="020F0502020204030204"/>
+        <a:ea typeface=""/>
+        <a:cs typeface=""/>
+        <a:font script="Jpan" typeface="游ゴシック"/>
+        <a:font script="Hang" typeface="맑은 고딕"/>
+        <a:font script="Hans" typeface="等线"/>
+        <a:font script="Hant" typeface="新細明體"/>
+        <a:font script="Arab" typeface="Arial"/>
+        <a:font script="Hebr" typeface="Arial"/>
+        <a:font script="Thai" typeface="Cordia New"/>
+        <a:font script="Ethi" typeface="Nyala"/>
+        <a:font script="Beng" typeface="Vrinda"/>
+        <a:font script="Gujr" typeface="Shruti"/>
+        <a:font script="Khmr" typeface="DaunPenh"/>
+        <a:font script="Knda" typeface="Tunga"/>
+        <a:font script="Guru" typeface="Raavi"/>
+        <a:font script="Cans" typeface="Euphemia"/>
+        <a:font script="Cher" typeface="Plantagenet Cherokee"/>
+        <a:font script="Yiii" typeface="Microsoft Yi Baiti"/>
+        <a:font script="Tibt" typeface="Microsoft Himalaya"/>
+        <a:font script="Thaa" typeface="MV Boli"/>
+        <a:font script="Deva" typeface="Mangal"/>
+        <a:font script="Telu" typeface="Gautami"/>
+        <a:font script="Taml" typeface="Latha"/>
+        <a:font script="Syrc" typeface="Estrangelo Edessa"/>
+        <a:font script="Orya" typeface="Kalinga"/>
+        <a:font script="Mlym" typeface="Kartika"/>
+        <a:font script="Laoo" typeface="DokChampa"/>
+        <a:font script="Sinh" typeface="Iskoola Pota"/>
+        <a:font script="Mong" typeface="Mongolian Baiti"/>
+        <a:font script="Viet" typeface="Arial"/>
+        <a:font script="Uigh" typeface="Microsoft Uighur"/>
+        <a:font script="Geor" typeface="Sylfaen"/>
+        <a:font script="Armn" typeface="Arial"/>
+        <a:font script="Bugi" typeface="Leelawadee UI"/>
+        <a:font script="Bopo" typeface="Microsoft JhengHei"/>
+        <a:font script="Java" typeface="Javanese Text"/>
+        <a:font script="Lisu" typeface="Segoe UI"/>
+        <a:font script="Mymr" typeface="Myanmar Text"/>
+        <a:font script="Nkoo" typeface="Ebrima"/>
+        <a:font script="Olck" typeface="Nirmala UI"/>
+        <a:font script="Osma" typeface="Ebrima"/>
+        <a:font script="Phag" typeface="Phagspa"/>
+        <a:font script="Syrn" typeface="Estrangelo Edessa"/>
+        <a:font script="Syrj" typeface="Estrangelo Edessa"/>
+        <a:font script="Syre" typeface="Estrangelo Edessa"/>
+        <a:font script="Sora" typeface="Nirmala UI"/>
+        <a:font script="Tale" typeface="Microsoft Tai Le"/>
+        <a:font script="Talu" typeface="Microsoft New Tai Lue"/>
+        <a:font script="Tfng" typeface="Ebrima"/>
+      </a:minorFont>
+    </a:fontScheme>
+    <a:fmtScheme name="Office">
+      <a:fillStyleLst>
+        <a:solidFill>
+          <a:schemeClr val="phClr"/>
+        </a:solidFill>
+        <a:gradFill rotWithShape="1">
+          <a:gsLst>
+            <a:gs pos="0">
+              <a:schemeClr val="phClr">
+                <a:lumMod val="110000"/>
+                <a:satMod val="105000"/>
+                <a:tint val="67000"/>
+              </a:schemeClr>
+            </a:gs>
+            <a:gs pos="50000">
+              <a:schemeClr val="phClr">
+                <a:lumMod val="105000"/>
+                <a:satMod val="103000"/>
+                <a:tint val="73000"/>
+              </a:schemeClr>
+            </a:gs>
+            <a:gs pos="100000">
+              <a:schemeClr val="phClr">
+                <a:lumMod val="105000"/>
+                <a:satMod val="109000"/>
+                <a:tint val="81000"/>
+              </a:schemeClr>
+            </a:gs>
+          </a:gsLst>
+          <a:lin ang="5400000" scaled="0"/>
+        </a:gradFill>
+        <a:gradFill rotWithShape="1">
+          <a:gsLst>
+            <a:gs pos="0">
+              <a:schemeClr val="phClr">
+                <a:satMod val="103000"/>
+                <a:lumMod val="102000"/>
+                <a:tint val="94000"/>
+              </a:schemeClr>
+            </a:gs>
+            <a:gs pos="50000">
+              <a:schemeClr val="phClr">
+                <a:satMod val="110000"/>
+                <a:lumMod val="100000"/>
+                <a:shade val="100000"/>
+              </a:schemeClr>
+            </a:gs>
+            <a:gs pos="100000">
+              <a:schemeClr val="phClr">
+                <a:lumMod val="99000"/>
+                <a:satMod val="120000"/>
+                <a:shade val="78000"/>
+              </a:schemeClr>
+            </a:gs>
+          </a:gsLst>
+          <a:lin ang="5400000" scaled="0"/>
+        </a:gradFill>
+      </a:fillStyleLst>
+      <a:lnStyleLst>
+        <a:ln w="6350" cap="flat" cmpd="sng" algn="ctr">
+          <a:solidFill>
+            <a:schemeClr val="phClr"/>
+          </a:solidFill>
+          <a:prstDash val="solid"/>
+          <a:miter lim="800000"/>
+        </a:ln>
+        <a:ln w="12700" cap="flat" cmpd="sng" algn="ctr">
+          <a:solidFill>
+            <a:schemeClr val="phClr"/>
+          </a:solidFill>
+          <a:prstDash val="solid"/>
+          <a:miter lim="800000"/>
+        </a:ln>
+        <a:ln w="19050" cap="flat" cmpd="sng" algn="ctr">
+          <a:solidFill>
+            <a:schemeClr val="phClr"/>
+          </a:solidFill>
+          <a:prstDash val="solid"/>
+          <a:miter lim="800000"/>
+        </a:ln>
+      </a:lnStyleLst>
+      <a:effectStyleLst>
+        <a:effectStyle>
+          <a:effectLst/>
+        </a:effectStyle>
+        <a:effectStyle>
+          <a:effectLst/>
+        </a:effectStyle>
+        <a:effectStyle>
+          <a:effectLst>
+            <a:outerShdw blurRad="57150" dist="19050" dir="5400000" algn="ctr" rotWithShape="0">
+              <a:srgbClr val="000000">
+                <a:alpha val="63000"/>
+              </a:srgbClr>
+            </a:outerShdw>
+          </a:effectLst>
+        </a:effectStyle>
+      </a:effectStyleLst>
+      <a:bgFillStyleLst>
+        <a:solidFill>
+          <a:schemeClr val="phClr"/>
+        </a:solidFill>
+        <a:solidFill>
+          <a:schemeClr val="phClr">
+            <a:tint val="95000"/>
+            <a:satMod val="170000"/>
+          </a:schemeClr>
+        </a:solidFill>
+        <a:gradFill rotWithShape="1">
+          <a:gsLst>
+            <a:gs pos="0">
+              <a:schemeClr val="phClr">
+                <a:tint val="93000"/>
+                <a:satMod val="150000"/>
+                <a:shade val="98000"/>
+                <a:lumMod val="102000"/>
+              </a:schemeClr>
+            </a:gs>
+            <a:gs pos="50000">
+              <a:schemeClr val="phClr">
+                <a:tint val="98000"/>
+                <a:satMod val="130000"/>
+                <a:shade val="90000"/>
+                <a:lumMod val="103000"/>
+              </a:schemeClr>
+            </a:gs>
+            <a:gs pos="100000">
+              <a:schemeClr val="phClr">
+                <a:shade val="63000"/>
+                <a:satMod val="120000"/>
+              </a:schemeClr>
+            </a:gs>
+          </a:gsLst>
+          <a:lin ang="5400000" scaled="0"/>
+        </a:gradFill>
+      </a:bgFillStyleLst>
+    </a:fmtScheme>
+  </a:themeElements>
+  <a:objectDefaults/>
+  <a:extraClrSchemeLst/>
+  <a:extLst>
+    <a:ext uri="{05A4C25C-085E-4340-85A3-A5531E510DB2}">
+      <thm15:themeFamily xmlns:thm15="http://schemas.microsoft.com/office/thememl/2012/main" name="Office Theme" id="{62F939B6-93AF-4DB8-9C6B-D6C7DFDC589F}" vid="{4A3C46E8-61CC-4603-A589-7422A47A8E4A}"/>
+    </a:ext>
+  </a:extLst>
+</a:theme>
 </file>
--- a/docs/diagrams/StatusSequenceDiagram.pptx
+++ b/docs/diagrams/StatusSequenceDiagram.pptx
@@ -6609,7 +6609,7 @@
                   <a:srgbClr val="30869C"/>
                 </a:solidFill>
               </a:rPr>
-              <a:t>Common</a:t>
+              <a:t>Commons</a:t>
             </a:r>
             <a:endParaRPr lang="en-SG" sz="1200" b="1" dirty="0">
               <a:solidFill>
